--- a/assets/lib-backend.pptx
+++ b/assets/lib-backend.pptx
@@ -7,6 +7,8 @@
   <p:sldIdLst>
     <p:sldId id="256" r:id="rId2"/>
     <p:sldId id="258" r:id="rId3"/>
+    <p:sldId id="259" r:id="rId4"/>
+    <p:sldId id="260" r:id="rId5"/>
   </p:sldIdLst>
   <p:sldSz cx="12192000" cy="6858000"/>
   <p:notesSz cx="6858000" cy="9144000"/>
@@ -4533,6 +4535,1205 @@
 </p:sld>
 </file>
 
+<file path=ppt/slides/slide3.xml><?xml version="1.0" encoding="utf-8"?>
+<p:sld xmlns:a="http://schemas.openxmlformats.org/drawingml/2006/main" xmlns:r="http://schemas.openxmlformats.org/officeDocument/2006/relationships" xmlns:p="http://schemas.openxmlformats.org/presentationml/2006/main">
+  <p:cSld>
+    <p:spTree>
+      <p:nvGrpSpPr>
+        <p:cNvPr id="1" name=""/>
+        <p:cNvGrpSpPr/>
+        <p:nvPr/>
+      </p:nvGrpSpPr>
+      <p:grpSpPr>
+        <a:xfrm>
+          <a:off x="0" y="0"/>
+          <a:ext cx="0" cy="0"/>
+          <a:chOff x="0" y="0"/>
+          <a:chExt cx="0" cy="0"/>
+        </a:xfrm>
+      </p:grpSpPr>
+      <p:sp>
+        <p:nvSpPr>
+          <p:cNvPr id="4" name="Rectangle 3">
+            <a:extLst>
+              <a:ext uri="{FF2B5EF4-FFF2-40B4-BE49-F238E27FC236}">
+                <a16:creationId xmlns:a16="http://schemas.microsoft.com/office/drawing/2014/main" id="{E4E552D6-4F5B-7542-82E9-0BD0B4BFE299}"/>
+              </a:ext>
+            </a:extLst>
+          </p:cNvPr>
+          <p:cNvSpPr/>
+          <p:nvPr/>
+        </p:nvSpPr>
+        <p:spPr>
+          <a:xfrm>
+            <a:off x="-62618" y="-108066"/>
+            <a:ext cx="12435840" cy="7074131"/>
+          </a:xfrm>
+          <a:prstGeom prst="rect">
+            <a:avLst/>
+          </a:prstGeom>
+          <a:solidFill>
+            <a:schemeClr val="bg1">
+              <a:alpha val="0"/>
+            </a:schemeClr>
+          </a:solidFill>
+          <a:ln>
+            <a:noFill/>
+          </a:ln>
+        </p:spPr>
+        <p:style>
+          <a:lnRef idx="2">
+            <a:schemeClr val="accent1">
+              <a:shade val="50000"/>
+            </a:schemeClr>
+          </a:lnRef>
+          <a:fillRef idx="1">
+            <a:schemeClr val="accent1"/>
+          </a:fillRef>
+          <a:effectRef idx="0">
+            <a:schemeClr val="accent1"/>
+          </a:effectRef>
+          <a:fontRef idx="minor">
+            <a:schemeClr val="lt1"/>
+          </a:fontRef>
+        </p:style>
+        <p:txBody>
+          <a:bodyPr rot="0" spcFirstLastPara="0" vertOverflow="overflow" horzOverflow="overflow" vert="horz" wrap="square" lIns="91440" tIns="45720" rIns="91440" bIns="45720" numCol="1" spcCol="0" rtlCol="0" fromWordArt="0" anchor="ctr" anchorCtr="0" forceAA="0" compatLnSpc="1">
+            <a:prstTxWarp prst="textNoShape">
+              <a:avLst/>
+            </a:prstTxWarp>
+            <a:noAutofit/>
+          </a:bodyPr>
+          <a:lstStyle/>
+          <a:p>
+            <a:pPr algn="ctr"/>
+            <a:endParaRPr lang="en-US" b="1" dirty="0">
+              <a:ln w="6600">
+                <a:solidFill>
+                  <a:schemeClr val="accent2"/>
+                </a:solidFill>
+                <a:prstDash val="solid"/>
+              </a:ln>
+              <a:solidFill>
+                <a:srgbClr val="FFFFFF"/>
+              </a:solidFill>
+              <a:effectLst>
+                <a:outerShdw dist="38100" dir="2700000" algn="tl" rotWithShape="0">
+                  <a:schemeClr val="accent2"/>
+                </a:outerShdw>
+              </a:effectLst>
+            </a:endParaRPr>
+          </a:p>
+        </p:txBody>
+      </p:sp>
+      <p:sp>
+        <p:nvSpPr>
+          <p:cNvPr id="5" name="Rounded Rectangle 4">
+            <a:extLst>
+              <a:ext uri="{FF2B5EF4-FFF2-40B4-BE49-F238E27FC236}">
+                <a16:creationId xmlns:a16="http://schemas.microsoft.com/office/drawing/2014/main" id="{ADBDB822-2FF8-D842-9B13-B2F73D24D822}"/>
+              </a:ext>
+            </a:extLst>
+          </p:cNvPr>
+          <p:cNvSpPr/>
+          <p:nvPr/>
+        </p:nvSpPr>
+        <p:spPr>
+          <a:xfrm>
+            <a:off x="5157355" y="2601885"/>
+            <a:ext cx="1845425" cy="1359129"/>
+          </a:xfrm>
+          <a:prstGeom prst="roundRect">
+            <a:avLst/>
+          </a:prstGeom>
+          <a:solidFill>
+            <a:schemeClr val="accent2"/>
+          </a:solidFill>
+          <a:ln>
+            <a:solidFill>
+              <a:schemeClr val="accent2"/>
+            </a:solidFill>
+          </a:ln>
+        </p:spPr>
+        <p:style>
+          <a:lnRef idx="2">
+            <a:schemeClr val="accent1">
+              <a:shade val="50000"/>
+            </a:schemeClr>
+          </a:lnRef>
+          <a:fillRef idx="1">
+            <a:schemeClr val="accent1"/>
+          </a:fillRef>
+          <a:effectRef idx="0">
+            <a:schemeClr val="accent1"/>
+          </a:effectRef>
+          <a:fontRef idx="minor">
+            <a:schemeClr val="lt1"/>
+          </a:fontRef>
+        </p:style>
+        <p:txBody>
+          <a:bodyPr rtlCol="0" anchor="ctr"/>
+          <a:lstStyle/>
+          <a:p>
+            <a:pPr algn="ctr"/>
+            <a:r>
+              <a:rPr lang="en-US" sz="4000" dirty="0"/>
+              <a:t>AST</a:t>
+            </a:r>
+          </a:p>
+        </p:txBody>
+      </p:sp>
+      <p:sp>
+        <p:nvSpPr>
+          <p:cNvPr id="19" name="Rectangle 18">
+            <a:extLst>
+              <a:ext uri="{FF2B5EF4-FFF2-40B4-BE49-F238E27FC236}">
+                <a16:creationId xmlns:a16="http://schemas.microsoft.com/office/drawing/2014/main" id="{A827CBB0-84E5-7249-A924-6E7A5F609F19}"/>
+              </a:ext>
+            </a:extLst>
+          </p:cNvPr>
+          <p:cNvSpPr/>
+          <p:nvPr/>
+        </p:nvSpPr>
+        <p:spPr>
+          <a:xfrm>
+            <a:off x="514222" y="2482916"/>
+            <a:ext cx="3856018" cy="1754326"/>
+          </a:xfrm>
+          <a:prstGeom prst="rect">
+            <a:avLst/>
+          </a:prstGeom>
+          <a:noFill/>
+        </p:spPr>
+        <p:txBody>
+          <a:bodyPr wrap="square" lIns="91440" tIns="45720" rIns="91440" bIns="45720">
+            <a:spAutoFit/>
+          </a:bodyPr>
+          <a:lstStyle/>
+          <a:p>
+            <a:pPr algn="ctr"/>
+            <a:r>
+              <a:rPr lang="en-US" sz="5400" b="1" cap="none" spc="0" dirty="0">
+                <a:ln w="6600">
+                  <a:solidFill>
+                    <a:schemeClr val="accent2"/>
+                  </a:solidFill>
+                  <a:prstDash val="solid"/>
+                </a:ln>
+                <a:solidFill>
+                  <a:srgbClr val="FFFFFF"/>
+                </a:solidFill>
+                <a:effectLst>
+                  <a:outerShdw dist="38100" dir="2700000" algn="tl" rotWithShape="0">
+                    <a:schemeClr val="accent2"/>
+                  </a:outerShdw>
+                </a:effectLst>
+              </a:rPr>
+              <a:t>Compiler Frontend</a:t>
+            </a:r>
+          </a:p>
+        </p:txBody>
+      </p:sp>
+      <p:sp>
+        <p:nvSpPr>
+          <p:cNvPr id="20" name="Rectangle 19">
+            <a:extLst>
+              <a:ext uri="{FF2B5EF4-FFF2-40B4-BE49-F238E27FC236}">
+                <a16:creationId xmlns:a16="http://schemas.microsoft.com/office/drawing/2014/main" id="{76707A11-AC5F-524D-862F-977EC8477B98}"/>
+              </a:ext>
+            </a:extLst>
+          </p:cNvPr>
+          <p:cNvSpPr/>
+          <p:nvPr/>
+        </p:nvSpPr>
+        <p:spPr>
+          <a:xfrm>
+            <a:off x="7789895" y="2482916"/>
+            <a:ext cx="3856018" cy="1754326"/>
+          </a:xfrm>
+          <a:prstGeom prst="rect">
+            <a:avLst/>
+          </a:prstGeom>
+          <a:noFill/>
+        </p:spPr>
+        <p:txBody>
+          <a:bodyPr wrap="square" lIns="91440" tIns="45720" rIns="91440" bIns="45720">
+            <a:spAutoFit/>
+          </a:bodyPr>
+          <a:lstStyle/>
+          <a:p>
+            <a:pPr algn="ctr"/>
+            <a:r>
+              <a:rPr lang="en-US" sz="5400" b="1" cap="none" spc="0" dirty="0">
+                <a:ln w="6600">
+                  <a:solidFill>
+                    <a:schemeClr val="accent2"/>
+                  </a:solidFill>
+                  <a:prstDash val="solid"/>
+                </a:ln>
+                <a:solidFill>
+                  <a:srgbClr val="FFFFFF"/>
+                </a:solidFill>
+                <a:effectLst>
+                  <a:outerShdw dist="38100" dir="2700000" algn="tl" rotWithShape="0">
+                    <a:schemeClr val="accent2"/>
+                  </a:outerShdw>
+                </a:effectLst>
+              </a:rPr>
+              <a:t>Compiler Backend</a:t>
+            </a:r>
+          </a:p>
+        </p:txBody>
+      </p:sp>
+      <p:cxnSp>
+        <p:nvCxnSpPr>
+          <p:cNvPr id="22" name="Straight Connector 21">
+            <a:extLst>
+              <a:ext uri="{FF2B5EF4-FFF2-40B4-BE49-F238E27FC236}">
+                <a16:creationId xmlns:a16="http://schemas.microsoft.com/office/drawing/2014/main" id="{C6EE3407-D8DD-9647-B3C5-4FF3A48CA019}"/>
+              </a:ext>
+            </a:extLst>
+          </p:cNvPr>
+          <p:cNvCxnSpPr>
+            <a:cxnSpLocks/>
+          </p:cNvCxnSpPr>
+          <p:nvPr/>
+        </p:nvCxnSpPr>
+        <p:spPr>
+          <a:xfrm>
+            <a:off x="891540" y="1455420"/>
+            <a:ext cx="3291840" cy="1146465"/>
+          </a:xfrm>
+          <a:prstGeom prst="line">
+            <a:avLst/>
+          </a:prstGeom>
+          <a:ln w="22225">
+            <a:solidFill>
+              <a:schemeClr val="accent2"/>
+            </a:solidFill>
+          </a:ln>
+        </p:spPr>
+        <p:style>
+          <a:lnRef idx="1">
+            <a:schemeClr val="accent1"/>
+          </a:lnRef>
+          <a:fillRef idx="0">
+            <a:schemeClr val="accent1"/>
+          </a:fillRef>
+          <a:effectRef idx="0">
+            <a:schemeClr val="accent1"/>
+          </a:effectRef>
+          <a:fontRef idx="minor">
+            <a:schemeClr val="tx1"/>
+          </a:fontRef>
+        </p:style>
+      </p:cxnSp>
+      <p:cxnSp>
+        <p:nvCxnSpPr>
+          <p:cNvPr id="23" name="Straight Connector 22">
+            <a:extLst>
+              <a:ext uri="{FF2B5EF4-FFF2-40B4-BE49-F238E27FC236}">
+                <a16:creationId xmlns:a16="http://schemas.microsoft.com/office/drawing/2014/main" id="{9321507B-7E50-C047-A3C7-EB5659788E8F}"/>
+              </a:ext>
+            </a:extLst>
+          </p:cNvPr>
+          <p:cNvCxnSpPr>
+            <a:cxnSpLocks/>
+          </p:cNvCxnSpPr>
+          <p:nvPr/>
+        </p:nvCxnSpPr>
+        <p:spPr>
+          <a:xfrm flipV="1">
+            <a:off x="891540" y="4256116"/>
+            <a:ext cx="3291840" cy="879764"/>
+          </a:xfrm>
+          <a:prstGeom prst="line">
+            <a:avLst/>
+          </a:prstGeom>
+          <a:ln w="22225">
+            <a:solidFill>
+              <a:schemeClr val="accent2"/>
+            </a:solidFill>
+          </a:ln>
+        </p:spPr>
+        <p:style>
+          <a:lnRef idx="1">
+            <a:schemeClr val="accent1"/>
+          </a:lnRef>
+          <a:fillRef idx="0">
+            <a:schemeClr val="accent1"/>
+          </a:fillRef>
+          <a:effectRef idx="0">
+            <a:schemeClr val="accent1"/>
+          </a:effectRef>
+          <a:fontRef idx="minor">
+            <a:schemeClr val="tx1"/>
+          </a:fontRef>
+        </p:style>
+      </p:cxnSp>
+      <p:cxnSp>
+        <p:nvCxnSpPr>
+          <p:cNvPr id="26" name="Straight Connector 25">
+            <a:extLst>
+              <a:ext uri="{FF2B5EF4-FFF2-40B4-BE49-F238E27FC236}">
+                <a16:creationId xmlns:a16="http://schemas.microsoft.com/office/drawing/2014/main" id="{DDDEEED3-3E65-BE4B-AD4B-CACA6EBBB768}"/>
+              </a:ext>
+            </a:extLst>
+          </p:cNvPr>
+          <p:cNvCxnSpPr>
+            <a:cxnSpLocks/>
+          </p:cNvCxnSpPr>
+          <p:nvPr/>
+        </p:nvCxnSpPr>
+        <p:spPr>
+          <a:xfrm flipH="1">
+            <a:off x="8008622" y="1554480"/>
+            <a:ext cx="3581398" cy="1047405"/>
+          </a:xfrm>
+          <a:prstGeom prst="line">
+            <a:avLst/>
+          </a:prstGeom>
+          <a:ln w="22225">
+            <a:solidFill>
+              <a:schemeClr val="accent2"/>
+            </a:solidFill>
+          </a:ln>
+        </p:spPr>
+        <p:style>
+          <a:lnRef idx="1">
+            <a:schemeClr val="accent1"/>
+          </a:lnRef>
+          <a:fillRef idx="0">
+            <a:schemeClr val="accent1"/>
+          </a:fillRef>
+          <a:effectRef idx="0">
+            <a:schemeClr val="accent1"/>
+          </a:effectRef>
+          <a:fontRef idx="minor">
+            <a:schemeClr val="tx1"/>
+          </a:fontRef>
+        </p:style>
+      </p:cxnSp>
+      <p:cxnSp>
+        <p:nvCxnSpPr>
+          <p:cNvPr id="27" name="Straight Connector 26">
+            <a:extLst>
+              <a:ext uri="{FF2B5EF4-FFF2-40B4-BE49-F238E27FC236}">
+                <a16:creationId xmlns:a16="http://schemas.microsoft.com/office/drawing/2014/main" id="{4698AC0C-048C-3C45-AFC5-A1771C40EFB3}"/>
+              </a:ext>
+            </a:extLst>
+          </p:cNvPr>
+          <p:cNvCxnSpPr>
+            <a:cxnSpLocks/>
+          </p:cNvCxnSpPr>
+          <p:nvPr/>
+        </p:nvCxnSpPr>
+        <p:spPr>
+          <a:xfrm flipH="1" flipV="1">
+            <a:off x="8008622" y="4256116"/>
+            <a:ext cx="3528058" cy="752302"/>
+          </a:xfrm>
+          <a:prstGeom prst="line">
+            <a:avLst/>
+          </a:prstGeom>
+          <a:ln w="22225">
+            <a:solidFill>
+              <a:schemeClr val="accent2"/>
+            </a:solidFill>
+          </a:ln>
+        </p:spPr>
+        <p:style>
+          <a:lnRef idx="1">
+            <a:schemeClr val="accent1"/>
+          </a:lnRef>
+          <a:fillRef idx="0">
+            <a:schemeClr val="accent1"/>
+          </a:fillRef>
+          <a:effectRef idx="0">
+            <a:schemeClr val="accent1"/>
+          </a:effectRef>
+          <a:fontRef idx="minor">
+            <a:schemeClr val="tx1"/>
+          </a:fontRef>
+        </p:style>
+      </p:cxnSp>
+    </p:spTree>
+    <p:extLst>
+      <p:ext uri="{BB962C8B-B14F-4D97-AF65-F5344CB8AC3E}">
+        <p14:creationId xmlns:p14="http://schemas.microsoft.com/office/powerpoint/2010/main" val="2794359323"/>
+      </p:ext>
+    </p:extLst>
+  </p:cSld>
+  <p:clrMapOvr>
+    <a:masterClrMapping/>
+  </p:clrMapOvr>
+</p:sld>
+</file>
+
+<file path=ppt/slides/slide4.xml><?xml version="1.0" encoding="utf-8"?>
+<p:sld xmlns:a="http://schemas.openxmlformats.org/drawingml/2006/main" xmlns:r="http://schemas.openxmlformats.org/officeDocument/2006/relationships" xmlns:p="http://schemas.openxmlformats.org/presentationml/2006/main">
+  <p:cSld>
+    <p:spTree>
+      <p:nvGrpSpPr>
+        <p:cNvPr id="1" name=""/>
+        <p:cNvGrpSpPr/>
+        <p:nvPr/>
+      </p:nvGrpSpPr>
+      <p:grpSpPr>
+        <a:xfrm>
+          <a:off x="0" y="0"/>
+          <a:ext cx="0" cy="0"/>
+          <a:chOff x="0" y="0"/>
+          <a:chExt cx="0" cy="0"/>
+        </a:xfrm>
+      </p:grpSpPr>
+      <p:sp>
+        <p:nvSpPr>
+          <p:cNvPr id="4" name="Rounded Rectangle 3">
+            <a:extLst>
+              <a:ext uri="{FF2B5EF4-FFF2-40B4-BE49-F238E27FC236}">
+                <a16:creationId xmlns:a16="http://schemas.microsoft.com/office/drawing/2014/main" id="{DCDCCDB2-576F-D64A-B2B0-5FF0CFCF2D5A}"/>
+              </a:ext>
+            </a:extLst>
+          </p:cNvPr>
+          <p:cNvSpPr/>
+          <p:nvPr/>
+        </p:nvSpPr>
+        <p:spPr>
+          <a:xfrm>
+            <a:off x="580046" y="813124"/>
+            <a:ext cx="1318260" cy="943494"/>
+          </a:xfrm>
+          <a:prstGeom prst="roundRect">
+            <a:avLst/>
+          </a:prstGeom>
+          <a:solidFill>
+            <a:schemeClr val="accent2"/>
+          </a:solidFill>
+          <a:ln>
+            <a:solidFill>
+              <a:schemeClr val="accent2"/>
+            </a:solidFill>
+          </a:ln>
+        </p:spPr>
+        <p:style>
+          <a:lnRef idx="2">
+            <a:schemeClr val="accent1">
+              <a:shade val="50000"/>
+            </a:schemeClr>
+          </a:lnRef>
+          <a:fillRef idx="1">
+            <a:schemeClr val="accent1"/>
+          </a:fillRef>
+          <a:effectRef idx="0">
+            <a:schemeClr val="accent1"/>
+          </a:effectRef>
+          <a:fontRef idx="minor">
+            <a:schemeClr val="lt1"/>
+          </a:fontRef>
+        </p:style>
+        <p:txBody>
+          <a:bodyPr rtlCol="0" anchor="ctr"/>
+          <a:lstStyle/>
+          <a:p>
+            <a:pPr algn="ctr"/>
+            <a:endParaRPr lang="en-US" dirty="0"/>
+          </a:p>
+        </p:txBody>
+      </p:sp>
+      <p:sp>
+        <p:nvSpPr>
+          <p:cNvPr id="5" name="Rounded Rectangle 4">
+            <a:extLst>
+              <a:ext uri="{FF2B5EF4-FFF2-40B4-BE49-F238E27FC236}">
+                <a16:creationId xmlns:a16="http://schemas.microsoft.com/office/drawing/2014/main" id="{51D43988-4AFA-914C-A41E-9EB3D0D051F9}"/>
+              </a:ext>
+            </a:extLst>
+          </p:cNvPr>
+          <p:cNvSpPr/>
+          <p:nvPr/>
+        </p:nvSpPr>
+        <p:spPr>
+          <a:xfrm>
+            <a:off x="4777740" y="2683626"/>
+            <a:ext cx="1318260" cy="943494"/>
+          </a:xfrm>
+          <a:prstGeom prst="roundRect">
+            <a:avLst/>
+          </a:prstGeom>
+          <a:solidFill>
+            <a:schemeClr val="accent2"/>
+          </a:solidFill>
+          <a:ln>
+            <a:solidFill>
+              <a:schemeClr val="accent2"/>
+            </a:solidFill>
+          </a:ln>
+        </p:spPr>
+        <p:style>
+          <a:lnRef idx="2">
+            <a:schemeClr val="accent1">
+              <a:shade val="50000"/>
+            </a:schemeClr>
+          </a:lnRef>
+          <a:fillRef idx="1">
+            <a:schemeClr val="accent1"/>
+          </a:fillRef>
+          <a:effectRef idx="0">
+            <a:schemeClr val="accent1"/>
+          </a:effectRef>
+          <a:fontRef idx="minor">
+            <a:schemeClr val="lt1"/>
+          </a:fontRef>
+        </p:style>
+        <p:txBody>
+          <a:bodyPr rtlCol="0" anchor="ctr"/>
+          <a:lstStyle/>
+          <a:p>
+            <a:pPr algn="ctr"/>
+            <a:endParaRPr lang="en-US" dirty="0"/>
+          </a:p>
+        </p:txBody>
+      </p:sp>
+      <p:sp>
+        <p:nvSpPr>
+          <p:cNvPr id="6" name="Rounded Rectangle 5">
+            <a:extLst>
+              <a:ext uri="{FF2B5EF4-FFF2-40B4-BE49-F238E27FC236}">
+                <a16:creationId xmlns:a16="http://schemas.microsoft.com/office/drawing/2014/main" id="{9025D028-1219-3E49-99C1-9066858DB7E8}"/>
+              </a:ext>
+            </a:extLst>
+          </p:cNvPr>
+          <p:cNvSpPr/>
+          <p:nvPr/>
+        </p:nvSpPr>
+        <p:spPr>
+          <a:xfrm>
+            <a:off x="2827020" y="1417320"/>
+            <a:ext cx="1318260" cy="943494"/>
+          </a:xfrm>
+          <a:prstGeom prst="roundRect">
+            <a:avLst/>
+          </a:prstGeom>
+          <a:solidFill>
+            <a:schemeClr val="accent2"/>
+          </a:solidFill>
+          <a:ln>
+            <a:solidFill>
+              <a:schemeClr val="accent2"/>
+            </a:solidFill>
+          </a:ln>
+        </p:spPr>
+        <p:style>
+          <a:lnRef idx="2">
+            <a:schemeClr val="accent1">
+              <a:shade val="50000"/>
+            </a:schemeClr>
+          </a:lnRef>
+          <a:fillRef idx="1">
+            <a:schemeClr val="accent1"/>
+          </a:fillRef>
+          <a:effectRef idx="0">
+            <a:schemeClr val="accent1"/>
+          </a:effectRef>
+          <a:fontRef idx="minor">
+            <a:schemeClr val="lt1"/>
+          </a:fontRef>
+        </p:style>
+        <p:txBody>
+          <a:bodyPr rtlCol="0" anchor="ctr"/>
+          <a:lstStyle/>
+          <a:p>
+            <a:pPr algn="ctr"/>
+            <a:endParaRPr lang="en-US" dirty="0"/>
+          </a:p>
+        </p:txBody>
+      </p:sp>
+      <p:sp>
+        <p:nvSpPr>
+          <p:cNvPr id="7" name="Rounded Rectangle 6">
+            <a:extLst>
+              <a:ext uri="{FF2B5EF4-FFF2-40B4-BE49-F238E27FC236}">
+                <a16:creationId xmlns:a16="http://schemas.microsoft.com/office/drawing/2014/main" id="{2AC40CC1-6FA3-B647-A393-B776A47EAB36}"/>
+              </a:ext>
+            </a:extLst>
+          </p:cNvPr>
+          <p:cNvSpPr/>
+          <p:nvPr/>
+        </p:nvSpPr>
+        <p:spPr>
+          <a:xfrm>
+            <a:off x="601980" y="2754630"/>
+            <a:ext cx="1318260" cy="943494"/>
+          </a:xfrm>
+          <a:prstGeom prst="roundRect">
+            <a:avLst/>
+          </a:prstGeom>
+          <a:solidFill>
+            <a:schemeClr val="accent2"/>
+          </a:solidFill>
+          <a:ln>
+            <a:solidFill>
+              <a:schemeClr val="accent2"/>
+            </a:solidFill>
+          </a:ln>
+        </p:spPr>
+        <p:style>
+          <a:lnRef idx="2">
+            <a:schemeClr val="accent1">
+              <a:shade val="50000"/>
+            </a:schemeClr>
+          </a:lnRef>
+          <a:fillRef idx="1">
+            <a:schemeClr val="accent1"/>
+          </a:fillRef>
+          <a:effectRef idx="0">
+            <a:schemeClr val="accent1"/>
+          </a:effectRef>
+          <a:fontRef idx="minor">
+            <a:schemeClr val="lt1"/>
+          </a:fontRef>
+        </p:style>
+        <p:txBody>
+          <a:bodyPr rtlCol="0" anchor="ctr"/>
+          <a:lstStyle/>
+          <a:p>
+            <a:pPr algn="ctr"/>
+            <a:endParaRPr lang="en-US" dirty="0"/>
+          </a:p>
+        </p:txBody>
+      </p:sp>
+      <p:sp>
+        <p:nvSpPr>
+          <p:cNvPr id="8" name="Rounded Rectangle 7">
+            <a:extLst>
+              <a:ext uri="{FF2B5EF4-FFF2-40B4-BE49-F238E27FC236}">
+                <a16:creationId xmlns:a16="http://schemas.microsoft.com/office/drawing/2014/main" id="{B7C737BF-186A-174D-9C6E-F0BBF9B12E54}"/>
+              </a:ext>
+            </a:extLst>
+          </p:cNvPr>
+          <p:cNvSpPr/>
+          <p:nvPr/>
+        </p:nvSpPr>
+        <p:spPr>
+          <a:xfrm>
+            <a:off x="2827020" y="3813810"/>
+            <a:ext cx="1318260" cy="943494"/>
+          </a:xfrm>
+          <a:prstGeom prst="roundRect">
+            <a:avLst/>
+          </a:prstGeom>
+          <a:solidFill>
+            <a:schemeClr val="accent2"/>
+          </a:solidFill>
+          <a:ln>
+            <a:solidFill>
+              <a:schemeClr val="accent2"/>
+            </a:solidFill>
+          </a:ln>
+        </p:spPr>
+        <p:style>
+          <a:lnRef idx="2">
+            <a:schemeClr val="accent1">
+              <a:shade val="50000"/>
+            </a:schemeClr>
+          </a:lnRef>
+          <a:fillRef idx="1">
+            <a:schemeClr val="accent1"/>
+          </a:fillRef>
+          <a:effectRef idx="0">
+            <a:schemeClr val="accent1"/>
+          </a:effectRef>
+          <a:fontRef idx="minor">
+            <a:schemeClr val="lt1"/>
+          </a:fontRef>
+        </p:style>
+        <p:txBody>
+          <a:bodyPr rtlCol="0" anchor="ctr"/>
+          <a:lstStyle/>
+          <a:p>
+            <a:pPr algn="ctr"/>
+            <a:endParaRPr lang="en-US" dirty="0"/>
+          </a:p>
+        </p:txBody>
+      </p:sp>
+      <p:sp>
+        <p:nvSpPr>
+          <p:cNvPr id="9" name="Rounded Rectangle 8">
+            <a:extLst>
+              <a:ext uri="{FF2B5EF4-FFF2-40B4-BE49-F238E27FC236}">
+                <a16:creationId xmlns:a16="http://schemas.microsoft.com/office/drawing/2014/main" id="{8527113F-9DDB-0145-BF30-7BA87BDB8EAD}"/>
+              </a:ext>
+            </a:extLst>
+          </p:cNvPr>
+          <p:cNvSpPr/>
+          <p:nvPr/>
+        </p:nvSpPr>
+        <p:spPr>
+          <a:xfrm>
+            <a:off x="601980" y="4785360"/>
+            <a:ext cx="1318260" cy="943494"/>
+          </a:xfrm>
+          <a:prstGeom prst="roundRect">
+            <a:avLst/>
+          </a:prstGeom>
+          <a:solidFill>
+            <a:schemeClr val="accent2"/>
+          </a:solidFill>
+          <a:ln>
+            <a:solidFill>
+              <a:schemeClr val="accent2"/>
+            </a:solidFill>
+          </a:ln>
+        </p:spPr>
+        <p:style>
+          <a:lnRef idx="2">
+            <a:schemeClr val="accent1">
+              <a:shade val="50000"/>
+            </a:schemeClr>
+          </a:lnRef>
+          <a:fillRef idx="1">
+            <a:schemeClr val="accent1"/>
+          </a:fillRef>
+          <a:effectRef idx="0">
+            <a:schemeClr val="accent1"/>
+          </a:effectRef>
+          <a:fontRef idx="minor">
+            <a:schemeClr val="lt1"/>
+          </a:fontRef>
+        </p:style>
+        <p:txBody>
+          <a:bodyPr rtlCol="0" anchor="ctr"/>
+          <a:lstStyle/>
+          <a:p>
+            <a:pPr algn="ctr"/>
+            <a:endParaRPr lang="en-US" dirty="0"/>
+          </a:p>
+        </p:txBody>
+      </p:sp>
+      <p:sp>
+        <p:nvSpPr>
+          <p:cNvPr id="14" name="Right Arrow 13">
+            <a:extLst>
+              <a:ext uri="{FF2B5EF4-FFF2-40B4-BE49-F238E27FC236}">
+                <a16:creationId xmlns:a16="http://schemas.microsoft.com/office/drawing/2014/main" id="{64AA35D3-F80B-E84E-9768-1F530E739DB8}"/>
+              </a:ext>
+            </a:extLst>
+          </p:cNvPr>
+          <p:cNvSpPr/>
+          <p:nvPr/>
+        </p:nvSpPr>
+        <p:spPr>
+          <a:xfrm rot="1795754">
+            <a:off x="1719465" y="1434569"/>
+            <a:ext cx="1308331" cy="304800"/>
+          </a:xfrm>
+          <a:prstGeom prst="rightArrow">
+            <a:avLst/>
+          </a:prstGeom>
+          <a:solidFill>
+            <a:schemeClr val="accent2">
+              <a:lumMod val="60000"/>
+              <a:lumOff val="40000"/>
+            </a:schemeClr>
+          </a:solidFill>
+          <a:ln>
+            <a:solidFill>
+              <a:schemeClr val="accent2">
+                <a:lumMod val="75000"/>
+              </a:schemeClr>
+            </a:solidFill>
+          </a:ln>
+        </p:spPr>
+        <p:style>
+          <a:lnRef idx="2">
+            <a:schemeClr val="accent1">
+              <a:shade val="50000"/>
+            </a:schemeClr>
+          </a:lnRef>
+          <a:fillRef idx="1">
+            <a:schemeClr val="accent1"/>
+          </a:fillRef>
+          <a:effectRef idx="0">
+            <a:schemeClr val="accent1"/>
+          </a:effectRef>
+          <a:fontRef idx="minor">
+            <a:schemeClr val="lt1"/>
+          </a:fontRef>
+        </p:style>
+        <p:txBody>
+          <a:bodyPr rtlCol="0" anchor="ctr"/>
+          <a:lstStyle/>
+          <a:p>
+            <a:pPr algn="ctr"/>
+            <a:endParaRPr lang="en-US"/>
+          </a:p>
+        </p:txBody>
+      </p:sp>
+      <p:sp>
+        <p:nvSpPr>
+          <p:cNvPr id="15" name="Right Arrow 14">
+            <a:extLst>
+              <a:ext uri="{FF2B5EF4-FFF2-40B4-BE49-F238E27FC236}">
+                <a16:creationId xmlns:a16="http://schemas.microsoft.com/office/drawing/2014/main" id="{94870A89-B6F8-6E46-9CB2-B40F23926195}"/>
+              </a:ext>
+            </a:extLst>
+          </p:cNvPr>
+          <p:cNvSpPr/>
+          <p:nvPr/>
+        </p:nvSpPr>
+        <p:spPr>
+          <a:xfrm rot="19430494">
+            <a:off x="1685638" y="4568278"/>
+            <a:ext cx="1401252" cy="304800"/>
+          </a:xfrm>
+          <a:prstGeom prst="rightArrow">
+            <a:avLst/>
+          </a:prstGeom>
+          <a:solidFill>
+            <a:schemeClr val="accent2">
+              <a:lumMod val="60000"/>
+              <a:lumOff val="40000"/>
+            </a:schemeClr>
+          </a:solidFill>
+          <a:ln>
+            <a:solidFill>
+              <a:schemeClr val="accent2">
+                <a:lumMod val="75000"/>
+              </a:schemeClr>
+            </a:solidFill>
+          </a:ln>
+        </p:spPr>
+        <p:style>
+          <a:lnRef idx="2">
+            <a:schemeClr val="accent1">
+              <a:shade val="50000"/>
+            </a:schemeClr>
+          </a:lnRef>
+          <a:fillRef idx="1">
+            <a:schemeClr val="accent1"/>
+          </a:fillRef>
+          <a:effectRef idx="0">
+            <a:schemeClr val="accent1"/>
+          </a:effectRef>
+          <a:fontRef idx="minor">
+            <a:schemeClr val="lt1"/>
+          </a:fontRef>
+        </p:style>
+        <p:txBody>
+          <a:bodyPr rtlCol="0" anchor="ctr"/>
+          <a:lstStyle/>
+          <a:p>
+            <a:pPr algn="ctr"/>
+            <a:endParaRPr lang="en-US"/>
+          </a:p>
+        </p:txBody>
+      </p:sp>
+      <p:sp>
+        <p:nvSpPr>
+          <p:cNvPr id="16" name="Right Arrow 15">
+            <a:extLst>
+              <a:ext uri="{FF2B5EF4-FFF2-40B4-BE49-F238E27FC236}">
+                <a16:creationId xmlns:a16="http://schemas.microsoft.com/office/drawing/2014/main" id="{92A7889B-25E3-654C-91E6-163505FCD628}"/>
+              </a:ext>
+            </a:extLst>
+          </p:cNvPr>
+          <p:cNvSpPr/>
+          <p:nvPr/>
+        </p:nvSpPr>
+        <p:spPr>
+          <a:xfrm rot="19430494">
+            <a:off x="3910781" y="3552435"/>
+            <a:ext cx="1137820" cy="304800"/>
+          </a:xfrm>
+          <a:prstGeom prst="rightArrow">
+            <a:avLst/>
+          </a:prstGeom>
+          <a:solidFill>
+            <a:schemeClr val="accent2">
+              <a:lumMod val="60000"/>
+              <a:lumOff val="40000"/>
+            </a:schemeClr>
+          </a:solidFill>
+          <a:ln>
+            <a:solidFill>
+              <a:schemeClr val="accent2">
+                <a:lumMod val="75000"/>
+              </a:schemeClr>
+            </a:solidFill>
+          </a:ln>
+        </p:spPr>
+        <p:style>
+          <a:lnRef idx="2">
+            <a:schemeClr val="accent1">
+              <a:shade val="50000"/>
+            </a:schemeClr>
+          </a:lnRef>
+          <a:fillRef idx="1">
+            <a:schemeClr val="accent1"/>
+          </a:fillRef>
+          <a:effectRef idx="0">
+            <a:schemeClr val="accent1"/>
+          </a:effectRef>
+          <a:fontRef idx="minor">
+            <a:schemeClr val="lt1"/>
+          </a:fontRef>
+        </p:style>
+        <p:txBody>
+          <a:bodyPr rtlCol="0" anchor="ctr"/>
+          <a:lstStyle/>
+          <a:p>
+            <a:pPr algn="ctr"/>
+            <a:endParaRPr lang="en-US"/>
+          </a:p>
+        </p:txBody>
+      </p:sp>
+      <p:sp>
+        <p:nvSpPr>
+          <p:cNvPr id="18" name="Right Arrow 17">
+            <a:extLst>
+              <a:ext uri="{FF2B5EF4-FFF2-40B4-BE49-F238E27FC236}">
+                <a16:creationId xmlns:a16="http://schemas.microsoft.com/office/drawing/2014/main" id="{963B713B-FE02-7043-968E-D2B352E1B030}"/>
+              </a:ext>
+            </a:extLst>
+          </p:cNvPr>
+          <p:cNvSpPr/>
+          <p:nvPr/>
+        </p:nvSpPr>
+        <p:spPr>
+          <a:xfrm rot="2561945">
+            <a:off x="3871006" y="2347950"/>
+            <a:ext cx="1228224" cy="304800"/>
+          </a:xfrm>
+          <a:prstGeom prst="rightArrow">
+            <a:avLst/>
+          </a:prstGeom>
+          <a:solidFill>
+            <a:schemeClr val="accent2">
+              <a:lumMod val="60000"/>
+              <a:lumOff val="40000"/>
+            </a:schemeClr>
+          </a:solidFill>
+          <a:ln>
+            <a:solidFill>
+              <a:schemeClr val="accent2">
+                <a:lumMod val="75000"/>
+              </a:schemeClr>
+            </a:solidFill>
+          </a:ln>
+        </p:spPr>
+        <p:style>
+          <a:lnRef idx="2">
+            <a:schemeClr val="accent1">
+              <a:shade val="50000"/>
+            </a:schemeClr>
+          </a:lnRef>
+          <a:fillRef idx="1">
+            <a:schemeClr val="accent1"/>
+          </a:fillRef>
+          <a:effectRef idx="0">
+            <a:schemeClr val="accent1"/>
+          </a:effectRef>
+          <a:fontRef idx="minor">
+            <a:schemeClr val="lt1"/>
+          </a:fontRef>
+        </p:style>
+        <p:txBody>
+          <a:bodyPr rtlCol="0" anchor="ctr"/>
+          <a:lstStyle/>
+          <a:p>
+            <a:pPr algn="ctr"/>
+            <a:endParaRPr lang="en-US"/>
+          </a:p>
+        </p:txBody>
+      </p:sp>
+      <p:sp>
+        <p:nvSpPr>
+          <p:cNvPr id="19" name="Right Arrow 18">
+            <a:extLst>
+              <a:ext uri="{FF2B5EF4-FFF2-40B4-BE49-F238E27FC236}">
+                <a16:creationId xmlns:a16="http://schemas.microsoft.com/office/drawing/2014/main" id="{60249C86-ACCB-2545-9739-ECD4EAC10D73}"/>
+              </a:ext>
+            </a:extLst>
+          </p:cNvPr>
+          <p:cNvSpPr/>
+          <p:nvPr/>
+        </p:nvSpPr>
+        <p:spPr>
+          <a:xfrm rot="2394667">
+            <a:off x="1643596" y="3492537"/>
+            <a:ext cx="1524702" cy="304800"/>
+          </a:xfrm>
+          <a:prstGeom prst="rightArrow">
+            <a:avLst/>
+          </a:prstGeom>
+          <a:solidFill>
+            <a:schemeClr val="accent2">
+              <a:lumMod val="60000"/>
+              <a:lumOff val="40000"/>
+            </a:schemeClr>
+          </a:solidFill>
+          <a:ln>
+            <a:solidFill>
+              <a:schemeClr val="accent2">
+                <a:lumMod val="75000"/>
+              </a:schemeClr>
+            </a:solidFill>
+          </a:ln>
+        </p:spPr>
+        <p:style>
+          <a:lnRef idx="2">
+            <a:schemeClr val="accent1">
+              <a:shade val="50000"/>
+            </a:schemeClr>
+          </a:lnRef>
+          <a:fillRef idx="1">
+            <a:schemeClr val="accent1"/>
+          </a:fillRef>
+          <a:effectRef idx="0">
+            <a:schemeClr val="accent1"/>
+          </a:effectRef>
+          <a:fontRef idx="minor">
+            <a:schemeClr val="lt1"/>
+          </a:fontRef>
+        </p:style>
+        <p:txBody>
+          <a:bodyPr rtlCol="0" anchor="ctr"/>
+          <a:lstStyle/>
+          <a:p>
+            <a:pPr algn="ctr"/>
+            <a:endParaRPr lang="en-US"/>
+          </a:p>
+        </p:txBody>
+      </p:sp>
+      <p:sp>
+        <p:nvSpPr>
+          <p:cNvPr id="21" name="Rounded Rectangle 20">
+            <a:extLst>
+              <a:ext uri="{FF2B5EF4-FFF2-40B4-BE49-F238E27FC236}">
+                <a16:creationId xmlns:a16="http://schemas.microsoft.com/office/drawing/2014/main" id="{5E439F51-51AB-4548-B55C-A5AB55E626BC}"/>
+              </a:ext>
+            </a:extLst>
+          </p:cNvPr>
+          <p:cNvSpPr/>
+          <p:nvPr/>
+        </p:nvSpPr>
+        <p:spPr>
+          <a:xfrm>
+            <a:off x="8778240" y="2155767"/>
+            <a:ext cx="2506980" cy="2141220"/>
+          </a:xfrm>
+          <a:prstGeom prst="roundRect">
+            <a:avLst/>
+          </a:prstGeom>
+          <a:solidFill>
+            <a:schemeClr val="accent2"/>
+          </a:solidFill>
+          <a:ln>
+            <a:solidFill>
+              <a:schemeClr val="accent2">
+                <a:lumMod val="75000"/>
+              </a:schemeClr>
+            </a:solidFill>
+          </a:ln>
+        </p:spPr>
+        <p:style>
+          <a:lnRef idx="2">
+            <a:schemeClr val="accent1">
+              <a:shade val="50000"/>
+            </a:schemeClr>
+          </a:lnRef>
+          <a:fillRef idx="1">
+            <a:schemeClr val="accent1"/>
+          </a:fillRef>
+          <a:effectRef idx="0">
+            <a:schemeClr val="accent1"/>
+          </a:effectRef>
+          <a:fontRef idx="minor">
+            <a:schemeClr val="lt1"/>
+          </a:fontRef>
+        </p:style>
+        <p:txBody>
+          <a:bodyPr rtlCol="0" anchor="ctr"/>
+          <a:lstStyle/>
+          <a:p>
+            <a:pPr algn="ctr"/>
+            <a:r>
+              <a:rPr lang="en-US" dirty="0"/>
+              <a:t>View Elements</a:t>
+            </a:r>
+          </a:p>
+        </p:txBody>
+      </p:sp>
+      <p:sp>
+        <p:nvSpPr>
+          <p:cNvPr id="22" name="Striped Right Arrow 21">
+            <a:extLst>
+              <a:ext uri="{FF2B5EF4-FFF2-40B4-BE49-F238E27FC236}">
+                <a16:creationId xmlns:a16="http://schemas.microsoft.com/office/drawing/2014/main" id="{904A2094-F546-3747-9B9E-18AB6A6C7428}"/>
+              </a:ext>
+            </a:extLst>
+          </p:cNvPr>
+          <p:cNvSpPr/>
+          <p:nvPr/>
+        </p:nvSpPr>
+        <p:spPr>
+          <a:xfrm>
+            <a:off x="6659880" y="2754630"/>
+            <a:ext cx="1630680" cy="872490"/>
+          </a:xfrm>
+          <a:prstGeom prst="stripedRightArrow">
+            <a:avLst/>
+          </a:prstGeom>
+          <a:solidFill>
+            <a:schemeClr val="accent2"/>
+          </a:solidFill>
+          <a:ln>
+            <a:solidFill>
+              <a:schemeClr val="accent2">
+                <a:lumMod val="75000"/>
+              </a:schemeClr>
+            </a:solidFill>
+          </a:ln>
+        </p:spPr>
+        <p:style>
+          <a:lnRef idx="2">
+            <a:schemeClr val="accent1">
+              <a:shade val="50000"/>
+            </a:schemeClr>
+          </a:lnRef>
+          <a:fillRef idx="1">
+            <a:schemeClr val="accent1"/>
+          </a:fillRef>
+          <a:effectRef idx="0">
+            <a:schemeClr val="accent1"/>
+          </a:effectRef>
+          <a:fontRef idx="minor">
+            <a:schemeClr val="lt1"/>
+          </a:fontRef>
+        </p:style>
+        <p:txBody>
+          <a:bodyPr rtlCol="0" anchor="ctr"/>
+          <a:lstStyle/>
+          <a:p>
+            <a:pPr algn="ctr"/>
+            <a:endParaRPr lang="en-US"/>
+          </a:p>
+        </p:txBody>
+      </p:sp>
+    </p:spTree>
+    <p:extLst>
+      <p:ext uri="{BB962C8B-B14F-4D97-AF65-F5344CB8AC3E}">
+        <p14:creationId xmlns:p14="http://schemas.microsoft.com/office/powerpoint/2010/main" val="1375682436"/>
+      </p:ext>
+    </p:extLst>
+  </p:cSld>
+  <p:clrMapOvr>
+    <a:masterClrMapping/>
+  </p:clrMapOvr>
+</p:sld>
+</file>
+
 <file path=ppt/theme/theme1.xml><?xml version="1.0" encoding="utf-8"?>
 <a:theme xmlns:a="http://schemas.openxmlformats.org/drawingml/2006/main" name="Office Theme">
   <a:themeElements>

--- a/assets/lib-backend.pptx
+++ b/assets/lib-backend.pptx
@@ -7,8 +7,9 @@
   <p:sldIdLst>
     <p:sldId id="256" r:id="rId2"/>
     <p:sldId id="258" r:id="rId3"/>
-    <p:sldId id="259" r:id="rId4"/>
-    <p:sldId id="260" r:id="rId5"/>
+    <p:sldId id="261" r:id="rId4"/>
+    <p:sldId id="259" r:id="rId5"/>
+    <p:sldId id="260" r:id="rId6"/>
   </p:sldIdLst>
   <p:sldSz cx="12192000" cy="6858000"/>
   <p:notesSz cx="6858000" cy="9144000"/>
@@ -4557,6 +4558,1068 @@
           <p:cNvPr id="4" name="Rectangle 3">
             <a:extLst>
               <a:ext uri="{FF2B5EF4-FFF2-40B4-BE49-F238E27FC236}">
+                <a16:creationId xmlns:a16="http://schemas.microsoft.com/office/drawing/2014/main" id="{E90D9297-2E33-2F4D-B827-49654CF1DA5B}"/>
+              </a:ext>
+            </a:extLst>
+          </p:cNvPr>
+          <p:cNvSpPr/>
+          <p:nvPr/>
+        </p:nvSpPr>
+        <p:spPr>
+          <a:xfrm>
+            <a:off x="-243840" y="-108066"/>
+            <a:ext cx="12435840" cy="7074131"/>
+          </a:xfrm>
+          <a:prstGeom prst="rect">
+            <a:avLst/>
+          </a:prstGeom>
+          <a:solidFill>
+            <a:schemeClr val="bg1">
+              <a:alpha val="0"/>
+            </a:schemeClr>
+          </a:solidFill>
+          <a:ln>
+            <a:noFill/>
+          </a:ln>
+        </p:spPr>
+        <p:style>
+          <a:lnRef idx="2">
+            <a:schemeClr val="accent1">
+              <a:shade val="50000"/>
+            </a:schemeClr>
+          </a:lnRef>
+          <a:fillRef idx="1">
+            <a:schemeClr val="accent1"/>
+          </a:fillRef>
+          <a:effectRef idx="0">
+            <a:schemeClr val="accent1"/>
+          </a:effectRef>
+          <a:fontRef idx="minor">
+            <a:schemeClr val="lt1"/>
+          </a:fontRef>
+        </p:style>
+        <p:txBody>
+          <a:bodyPr rtlCol="0" anchor="ctr"/>
+          <a:lstStyle/>
+          <a:p>
+            <a:pPr algn="ctr"/>
+            <a:endParaRPr lang="en-US" dirty="0"/>
+          </a:p>
+        </p:txBody>
+      </p:sp>
+      <p:sp>
+        <p:nvSpPr>
+          <p:cNvPr id="5" name="Rounded Rectangle 4">
+            <a:extLst>
+              <a:ext uri="{FF2B5EF4-FFF2-40B4-BE49-F238E27FC236}">
+                <a16:creationId xmlns:a16="http://schemas.microsoft.com/office/drawing/2014/main" id="{CEDF0EEF-F10D-0148-BF31-8F6BBFCB43DF}"/>
+              </a:ext>
+            </a:extLst>
+          </p:cNvPr>
+          <p:cNvSpPr/>
+          <p:nvPr/>
+        </p:nvSpPr>
+        <p:spPr>
+          <a:xfrm>
+            <a:off x="5157355" y="2601885"/>
+            <a:ext cx="1845425" cy="1359129"/>
+          </a:xfrm>
+          <a:prstGeom prst="roundRect">
+            <a:avLst/>
+          </a:prstGeom>
+          <a:solidFill>
+            <a:schemeClr val="accent2"/>
+          </a:solidFill>
+          <a:ln>
+            <a:solidFill>
+              <a:schemeClr val="accent2"/>
+            </a:solidFill>
+          </a:ln>
+        </p:spPr>
+        <p:style>
+          <a:lnRef idx="2">
+            <a:schemeClr val="accent1">
+              <a:shade val="50000"/>
+            </a:schemeClr>
+          </a:lnRef>
+          <a:fillRef idx="1">
+            <a:schemeClr val="accent1"/>
+          </a:fillRef>
+          <a:effectRef idx="0">
+            <a:schemeClr val="accent1"/>
+          </a:effectRef>
+          <a:fontRef idx="minor">
+            <a:schemeClr val="lt1"/>
+          </a:fontRef>
+        </p:style>
+        <p:txBody>
+          <a:bodyPr rtlCol="0" anchor="ctr"/>
+          <a:lstStyle/>
+          <a:p>
+            <a:pPr algn="ctr"/>
+            <a:r>
+              <a:rPr lang="en-US" dirty="0" err="1"/>
+              <a:t>Scenegraph</a:t>
+            </a:r>
+            <a:endParaRPr lang="en-US" dirty="0"/>
+          </a:p>
+        </p:txBody>
+      </p:sp>
+      <p:sp>
+        <p:nvSpPr>
+          <p:cNvPr id="6" name="Rounded Rectangle 5">
+            <a:extLst>
+              <a:ext uri="{FF2B5EF4-FFF2-40B4-BE49-F238E27FC236}">
+                <a16:creationId xmlns:a16="http://schemas.microsoft.com/office/drawing/2014/main" id="{4114E41D-C550-B245-837C-254483D5B4FD}"/>
+              </a:ext>
+            </a:extLst>
+          </p:cNvPr>
+          <p:cNvSpPr/>
+          <p:nvPr/>
+        </p:nvSpPr>
+        <p:spPr>
+          <a:xfrm>
+            <a:off x="7635933" y="2601884"/>
+            <a:ext cx="1845425" cy="1359129"/>
+          </a:xfrm>
+          <a:prstGeom prst="roundRect">
+            <a:avLst/>
+          </a:prstGeom>
+          <a:solidFill>
+            <a:schemeClr val="accent2"/>
+          </a:solidFill>
+          <a:ln>
+            <a:solidFill>
+              <a:schemeClr val="accent2"/>
+            </a:solidFill>
+          </a:ln>
+        </p:spPr>
+        <p:style>
+          <a:lnRef idx="2">
+            <a:schemeClr val="accent1">
+              <a:shade val="50000"/>
+            </a:schemeClr>
+          </a:lnRef>
+          <a:fillRef idx="1">
+            <a:schemeClr val="accent1"/>
+          </a:fillRef>
+          <a:effectRef idx="0">
+            <a:schemeClr val="accent1"/>
+          </a:effectRef>
+          <a:fontRef idx="minor">
+            <a:schemeClr val="lt1"/>
+          </a:fontRef>
+        </p:style>
+        <p:txBody>
+          <a:bodyPr rtlCol="0" anchor="ctr"/>
+          <a:lstStyle/>
+          <a:p>
+            <a:pPr algn="ctr"/>
+            <a:r>
+              <a:rPr lang="en-US" dirty="0"/>
+              <a:t>Virtual SVG</a:t>
+            </a:r>
+          </a:p>
+        </p:txBody>
+      </p:sp>
+      <p:sp>
+        <p:nvSpPr>
+          <p:cNvPr id="7" name="Rounded Rectangle 6">
+            <a:extLst>
+              <a:ext uri="{FF2B5EF4-FFF2-40B4-BE49-F238E27FC236}">
+                <a16:creationId xmlns:a16="http://schemas.microsoft.com/office/drawing/2014/main" id="{594250A8-B09F-0D43-A164-79A1A8AEC88F}"/>
+              </a:ext>
+            </a:extLst>
+          </p:cNvPr>
+          <p:cNvSpPr/>
+          <p:nvPr/>
+        </p:nvSpPr>
+        <p:spPr>
+          <a:xfrm>
+            <a:off x="10114511" y="2601884"/>
+            <a:ext cx="1845425" cy="1359129"/>
+          </a:xfrm>
+          <a:prstGeom prst="roundRect">
+            <a:avLst/>
+          </a:prstGeom>
+          <a:solidFill>
+            <a:schemeClr val="accent2"/>
+          </a:solidFill>
+          <a:ln>
+            <a:solidFill>
+              <a:schemeClr val="accent2"/>
+            </a:solidFill>
+          </a:ln>
+        </p:spPr>
+        <p:style>
+          <a:lnRef idx="2">
+            <a:schemeClr val="accent1">
+              <a:shade val="50000"/>
+            </a:schemeClr>
+          </a:lnRef>
+          <a:fillRef idx="1">
+            <a:schemeClr val="accent1"/>
+          </a:fillRef>
+          <a:effectRef idx="0">
+            <a:schemeClr val="accent1"/>
+          </a:effectRef>
+          <a:fontRef idx="minor">
+            <a:schemeClr val="lt1"/>
+          </a:fontRef>
+        </p:style>
+        <p:txBody>
+          <a:bodyPr rtlCol="0" anchor="ctr"/>
+          <a:lstStyle/>
+          <a:p>
+            <a:pPr algn="ctr"/>
+            <a:r>
+              <a:rPr lang="en-US" dirty="0" err="1"/>
+              <a:t>ReactDOM</a:t>
+            </a:r>
+            <a:r>
+              <a:rPr lang="en-US" dirty="0"/>
+              <a:t> SVG</a:t>
+            </a:r>
+          </a:p>
+        </p:txBody>
+      </p:sp>
+      <p:sp>
+        <p:nvSpPr>
+          <p:cNvPr id="8" name="Right Arrow 7">
+            <a:extLst>
+              <a:ext uri="{FF2B5EF4-FFF2-40B4-BE49-F238E27FC236}">
+                <a16:creationId xmlns:a16="http://schemas.microsoft.com/office/drawing/2014/main" id="{4D485161-4D9C-7641-A1CA-9181E16F23BD}"/>
+              </a:ext>
+            </a:extLst>
+          </p:cNvPr>
+          <p:cNvSpPr/>
+          <p:nvPr/>
+        </p:nvSpPr>
+        <p:spPr>
+          <a:xfrm>
+            <a:off x="7002780" y="3010035"/>
+            <a:ext cx="752301" cy="484632"/>
+          </a:xfrm>
+          <a:prstGeom prst="rightArrow">
+            <a:avLst/>
+          </a:prstGeom>
+          <a:solidFill>
+            <a:schemeClr val="accent2">
+              <a:lumMod val="75000"/>
+            </a:schemeClr>
+          </a:solidFill>
+          <a:ln>
+            <a:solidFill>
+              <a:schemeClr val="accent2"/>
+            </a:solidFill>
+          </a:ln>
+        </p:spPr>
+        <p:style>
+          <a:lnRef idx="2">
+            <a:schemeClr val="accent1">
+              <a:shade val="50000"/>
+            </a:schemeClr>
+          </a:lnRef>
+          <a:fillRef idx="1">
+            <a:schemeClr val="accent1"/>
+          </a:fillRef>
+          <a:effectRef idx="0">
+            <a:schemeClr val="accent1"/>
+          </a:effectRef>
+          <a:fontRef idx="minor">
+            <a:schemeClr val="lt1"/>
+          </a:fontRef>
+        </p:style>
+        <p:txBody>
+          <a:bodyPr rtlCol="0" anchor="ctr"/>
+          <a:lstStyle/>
+          <a:p>
+            <a:pPr algn="ctr"/>
+            <a:endParaRPr lang="en-US"/>
+          </a:p>
+        </p:txBody>
+      </p:sp>
+      <p:sp>
+        <p:nvSpPr>
+          <p:cNvPr id="9" name="Right Arrow 8">
+            <a:extLst>
+              <a:ext uri="{FF2B5EF4-FFF2-40B4-BE49-F238E27FC236}">
+                <a16:creationId xmlns:a16="http://schemas.microsoft.com/office/drawing/2014/main" id="{C96B3B94-FDB0-A447-8498-B8338063EA1F}"/>
+              </a:ext>
+            </a:extLst>
+          </p:cNvPr>
+          <p:cNvSpPr/>
+          <p:nvPr/>
+        </p:nvSpPr>
+        <p:spPr>
+          <a:xfrm>
+            <a:off x="9481357" y="3039132"/>
+            <a:ext cx="752303" cy="484632"/>
+          </a:xfrm>
+          <a:prstGeom prst="rightArrow">
+            <a:avLst/>
+          </a:prstGeom>
+          <a:solidFill>
+            <a:schemeClr val="accent2">
+              <a:lumMod val="75000"/>
+            </a:schemeClr>
+          </a:solidFill>
+          <a:ln>
+            <a:solidFill>
+              <a:schemeClr val="accent2"/>
+            </a:solidFill>
+          </a:ln>
+        </p:spPr>
+        <p:style>
+          <a:lnRef idx="2">
+            <a:schemeClr val="accent1">
+              <a:shade val="50000"/>
+            </a:schemeClr>
+          </a:lnRef>
+          <a:fillRef idx="1">
+            <a:schemeClr val="accent1"/>
+          </a:fillRef>
+          <a:effectRef idx="0">
+            <a:schemeClr val="accent1"/>
+          </a:effectRef>
+          <a:fontRef idx="minor">
+            <a:schemeClr val="lt1"/>
+          </a:fontRef>
+        </p:style>
+        <p:txBody>
+          <a:bodyPr rtlCol="0" anchor="ctr"/>
+          <a:lstStyle/>
+          <a:p>
+            <a:pPr algn="ctr"/>
+            <a:endParaRPr lang="en-US"/>
+          </a:p>
+        </p:txBody>
+      </p:sp>
+      <p:sp>
+        <p:nvSpPr>
+          <p:cNvPr id="12" name="Rounded Rectangle 11">
+            <a:extLst>
+              <a:ext uri="{FF2B5EF4-FFF2-40B4-BE49-F238E27FC236}">
+                <a16:creationId xmlns:a16="http://schemas.microsoft.com/office/drawing/2014/main" id="{75712DF0-92A6-B949-9836-E73F91A732DB}"/>
+              </a:ext>
+            </a:extLst>
+          </p:cNvPr>
+          <p:cNvSpPr/>
+          <p:nvPr/>
+        </p:nvSpPr>
+        <p:spPr>
+          <a:xfrm>
+            <a:off x="496340" y="2601884"/>
+            <a:ext cx="1845425" cy="1359129"/>
+          </a:xfrm>
+          <a:prstGeom prst="roundRect">
+            <a:avLst/>
+          </a:prstGeom>
+          <a:solidFill>
+            <a:schemeClr val="accent2"/>
+          </a:solidFill>
+          <a:ln>
+            <a:solidFill>
+              <a:schemeClr val="accent2"/>
+            </a:solidFill>
+          </a:ln>
+        </p:spPr>
+        <p:style>
+          <a:lnRef idx="2">
+            <a:schemeClr val="accent1">
+              <a:shade val="50000"/>
+            </a:schemeClr>
+          </a:lnRef>
+          <a:fillRef idx="1">
+            <a:schemeClr val="accent1"/>
+          </a:fillRef>
+          <a:effectRef idx="0">
+            <a:schemeClr val="accent1"/>
+          </a:effectRef>
+          <a:fontRef idx="minor">
+            <a:schemeClr val="lt1"/>
+          </a:fontRef>
+        </p:style>
+        <p:txBody>
+          <a:bodyPr rtlCol="0" anchor="ctr"/>
+          <a:lstStyle/>
+          <a:p>
+            <a:pPr algn="ctr"/>
+            <a:r>
+              <a:rPr lang="en-US" dirty="0"/>
+              <a:t>React </a:t>
+            </a:r>
+            <a:r>
+              <a:rPr lang="en-US" dirty="0" err="1"/>
+              <a:t>Renderless</a:t>
+            </a:r>
+            <a:r>
+              <a:rPr lang="en-US" dirty="0"/>
+              <a:t> API</a:t>
+            </a:r>
+          </a:p>
+        </p:txBody>
+      </p:sp>
+      <p:sp>
+        <p:nvSpPr>
+          <p:cNvPr id="13" name="Rounded Rectangle 12">
+            <a:extLst>
+              <a:ext uri="{FF2B5EF4-FFF2-40B4-BE49-F238E27FC236}">
+                <a16:creationId xmlns:a16="http://schemas.microsoft.com/office/drawing/2014/main" id="{C7E232F0-EE18-A945-8B49-C0783C1F945C}"/>
+              </a:ext>
+            </a:extLst>
+          </p:cNvPr>
+          <p:cNvSpPr/>
+          <p:nvPr/>
+        </p:nvSpPr>
+        <p:spPr>
+          <a:xfrm>
+            <a:off x="2824942" y="2601884"/>
+            <a:ext cx="1845425" cy="1359129"/>
+          </a:xfrm>
+          <a:prstGeom prst="roundRect">
+            <a:avLst/>
+          </a:prstGeom>
+          <a:solidFill>
+            <a:schemeClr val="accent2"/>
+          </a:solidFill>
+          <a:ln>
+            <a:solidFill>
+              <a:schemeClr val="accent2"/>
+            </a:solidFill>
+          </a:ln>
+        </p:spPr>
+        <p:style>
+          <a:lnRef idx="2">
+            <a:schemeClr val="accent1">
+              <a:shade val="50000"/>
+            </a:schemeClr>
+          </a:lnRef>
+          <a:fillRef idx="1">
+            <a:schemeClr val="accent1"/>
+          </a:fillRef>
+          <a:effectRef idx="0">
+            <a:schemeClr val="accent1"/>
+          </a:effectRef>
+          <a:fontRef idx="minor">
+            <a:schemeClr val="lt1"/>
+          </a:fontRef>
+        </p:style>
+        <p:txBody>
+          <a:bodyPr rtlCol="0" anchor="ctr"/>
+          <a:lstStyle/>
+          <a:p>
+            <a:pPr algn="ctr"/>
+            <a:r>
+              <a:rPr lang="en-US" dirty="0" err="1"/>
+              <a:t>Scenebuilder</a:t>
+            </a:r>
+            <a:r>
+              <a:rPr lang="en-US" dirty="0"/>
+              <a:t> API</a:t>
+            </a:r>
+          </a:p>
+        </p:txBody>
+      </p:sp>
+      <p:sp>
+        <p:nvSpPr>
+          <p:cNvPr id="14" name="Right Arrow 13">
+            <a:extLst>
+              <a:ext uri="{FF2B5EF4-FFF2-40B4-BE49-F238E27FC236}">
+                <a16:creationId xmlns:a16="http://schemas.microsoft.com/office/drawing/2014/main" id="{8A58CC97-2BEE-9D4B-82AF-13A293DA6BF4}"/>
+              </a:ext>
+            </a:extLst>
+          </p:cNvPr>
+          <p:cNvSpPr/>
+          <p:nvPr/>
+        </p:nvSpPr>
+        <p:spPr>
+          <a:xfrm>
+            <a:off x="4670368" y="3039132"/>
+            <a:ext cx="606136" cy="484632"/>
+          </a:xfrm>
+          <a:prstGeom prst="rightArrow">
+            <a:avLst/>
+          </a:prstGeom>
+          <a:solidFill>
+            <a:schemeClr val="accent2">
+              <a:lumMod val="75000"/>
+            </a:schemeClr>
+          </a:solidFill>
+          <a:ln>
+            <a:solidFill>
+              <a:schemeClr val="accent2"/>
+            </a:solidFill>
+          </a:ln>
+        </p:spPr>
+        <p:style>
+          <a:lnRef idx="2">
+            <a:schemeClr val="accent1">
+              <a:shade val="50000"/>
+            </a:schemeClr>
+          </a:lnRef>
+          <a:fillRef idx="1">
+            <a:schemeClr val="accent1"/>
+          </a:fillRef>
+          <a:effectRef idx="0">
+            <a:schemeClr val="accent1"/>
+          </a:effectRef>
+          <a:fontRef idx="minor">
+            <a:schemeClr val="lt1"/>
+          </a:fontRef>
+        </p:style>
+        <p:txBody>
+          <a:bodyPr rtlCol="0" anchor="ctr"/>
+          <a:lstStyle/>
+          <a:p>
+            <a:pPr algn="ctr"/>
+            <a:endParaRPr lang="en-US"/>
+          </a:p>
+        </p:txBody>
+      </p:sp>
+      <p:sp>
+        <p:nvSpPr>
+          <p:cNvPr id="15" name="Right Arrow 14">
+            <a:extLst>
+              <a:ext uri="{FF2B5EF4-FFF2-40B4-BE49-F238E27FC236}">
+                <a16:creationId xmlns:a16="http://schemas.microsoft.com/office/drawing/2014/main" id="{FF73E7E2-AC93-F540-A23A-1B250DA4056F}"/>
+              </a:ext>
+            </a:extLst>
+          </p:cNvPr>
+          <p:cNvSpPr/>
+          <p:nvPr/>
+        </p:nvSpPr>
+        <p:spPr>
+          <a:xfrm>
+            <a:off x="2314403" y="3039132"/>
+            <a:ext cx="606136" cy="484632"/>
+          </a:xfrm>
+          <a:prstGeom prst="rightArrow">
+            <a:avLst/>
+          </a:prstGeom>
+          <a:solidFill>
+            <a:schemeClr val="accent2">
+              <a:lumMod val="75000"/>
+            </a:schemeClr>
+          </a:solidFill>
+          <a:ln>
+            <a:solidFill>
+              <a:schemeClr val="accent2"/>
+            </a:solidFill>
+          </a:ln>
+        </p:spPr>
+        <p:style>
+          <a:lnRef idx="2">
+            <a:schemeClr val="accent1">
+              <a:shade val="50000"/>
+            </a:schemeClr>
+          </a:lnRef>
+          <a:fillRef idx="1">
+            <a:schemeClr val="accent1"/>
+          </a:fillRef>
+          <a:effectRef idx="0">
+            <a:schemeClr val="accent1"/>
+          </a:effectRef>
+          <a:fontRef idx="minor">
+            <a:schemeClr val="lt1"/>
+          </a:fontRef>
+        </p:style>
+        <p:txBody>
+          <a:bodyPr rtlCol="0" anchor="ctr"/>
+          <a:lstStyle/>
+          <a:p>
+            <a:pPr algn="ctr"/>
+            <a:endParaRPr lang="en-US"/>
+          </a:p>
+        </p:txBody>
+      </p:sp>
+      <p:pic>
+        <p:nvPicPr>
+          <p:cNvPr id="3" name="Picture 2">
+            <a:extLst>
+              <a:ext uri="{FF2B5EF4-FFF2-40B4-BE49-F238E27FC236}">
+                <a16:creationId xmlns:a16="http://schemas.microsoft.com/office/drawing/2014/main" id="{A0CAF6EA-71B6-7540-AC6A-37413B5C41EC}"/>
+              </a:ext>
+            </a:extLst>
+          </p:cNvPr>
+          <p:cNvPicPr>
+            <a:picLocks noChangeAspect="1"/>
+          </p:cNvPicPr>
+          <p:nvPr/>
+        </p:nvPicPr>
+        <p:blipFill>
+          <a:blip r:embed="rId2"/>
+          <a:stretch>
+            <a:fillRect/>
+          </a:stretch>
+        </p:blipFill>
+        <p:spPr>
+          <a:xfrm>
+            <a:off x="-371995" y="4489450"/>
+            <a:ext cx="1925089" cy="1361098"/>
+          </a:xfrm>
+          <a:prstGeom prst="rect">
+            <a:avLst/>
+          </a:prstGeom>
+        </p:spPr>
+      </p:pic>
+      <p:pic>
+        <p:nvPicPr>
+          <p:cNvPr id="19" name="Picture 18">
+            <a:extLst>
+              <a:ext uri="{FF2B5EF4-FFF2-40B4-BE49-F238E27FC236}">
+                <a16:creationId xmlns:a16="http://schemas.microsoft.com/office/drawing/2014/main" id="{24C8D9C4-F32A-6040-B7FC-EA5E7F4E3260}"/>
+              </a:ext>
+            </a:extLst>
+          </p:cNvPr>
+          <p:cNvPicPr>
+            <a:picLocks noChangeAspect="1"/>
+          </p:cNvPicPr>
+          <p:nvPr/>
+        </p:nvPicPr>
+        <p:blipFill>
+          <a:blip r:embed="rId3"/>
+          <a:stretch>
+            <a:fillRect/>
+          </a:stretch>
+        </p:blipFill>
+        <p:spPr>
+          <a:xfrm>
+            <a:off x="0" y="5959304"/>
+            <a:ext cx="1181100" cy="431800"/>
+          </a:xfrm>
+          <a:prstGeom prst="rect">
+            <a:avLst/>
+          </a:prstGeom>
+        </p:spPr>
+      </p:pic>
+      <p:sp>
+        <p:nvSpPr>
+          <p:cNvPr id="20" name="Oval 19">
+            <a:extLst>
+              <a:ext uri="{FF2B5EF4-FFF2-40B4-BE49-F238E27FC236}">
+                <a16:creationId xmlns:a16="http://schemas.microsoft.com/office/drawing/2014/main" id="{A61A3520-E209-7D40-984F-22B52A6CDE02}"/>
+              </a:ext>
+            </a:extLst>
+          </p:cNvPr>
+          <p:cNvSpPr/>
+          <p:nvPr/>
+        </p:nvSpPr>
+        <p:spPr>
+          <a:xfrm>
+            <a:off x="1333500" y="5055699"/>
+            <a:ext cx="219594" cy="228600"/>
+          </a:xfrm>
+          <a:prstGeom prst="ellipse">
+            <a:avLst/>
+          </a:prstGeom>
+          <a:solidFill>
+            <a:schemeClr val="accent2"/>
+          </a:solidFill>
+          <a:ln>
+            <a:solidFill>
+              <a:schemeClr val="accent2">
+                <a:lumMod val="75000"/>
+              </a:schemeClr>
+            </a:solidFill>
+          </a:ln>
+        </p:spPr>
+        <p:style>
+          <a:lnRef idx="2">
+            <a:schemeClr val="accent1">
+              <a:shade val="50000"/>
+            </a:schemeClr>
+          </a:lnRef>
+          <a:fillRef idx="1">
+            <a:schemeClr val="accent1"/>
+          </a:fillRef>
+          <a:effectRef idx="0">
+            <a:schemeClr val="accent1"/>
+          </a:effectRef>
+          <a:fontRef idx="minor">
+            <a:schemeClr val="lt1"/>
+          </a:fontRef>
+        </p:style>
+        <p:txBody>
+          <a:bodyPr rtlCol="0" anchor="ctr"/>
+          <a:lstStyle/>
+          <a:p>
+            <a:pPr algn="ctr"/>
+            <a:endParaRPr lang="en-US"/>
+          </a:p>
+        </p:txBody>
+      </p:sp>
+      <p:sp>
+        <p:nvSpPr>
+          <p:cNvPr id="21" name="Oval 20">
+            <a:extLst>
+              <a:ext uri="{FF2B5EF4-FFF2-40B4-BE49-F238E27FC236}">
+                <a16:creationId xmlns:a16="http://schemas.microsoft.com/office/drawing/2014/main" id="{4794AD65-54A1-B842-9E7E-A0E71222A2D5}"/>
+              </a:ext>
+            </a:extLst>
+          </p:cNvPr>
+          <p:cNvSpPr/>
+          <p:nvPr/>
+        </p:nvSpPr>
+        <p:spPr>
+          <a:xfrm>
+            <a:off x="3637857" y="6060904"/>
+            <a:ext cx="219594" cy="228600"/>
+          </a:xfrm>
+          <a:prstGeom prst="ellipse">
+            <a:avLst/>
+          </a:prstGeom>
+          <a:solidFill>
+            <a:schemeClr val="accent2"/>
+          </a:solidFill>
+          <a:ln>
+            <a:solidFill>
+              <a:schemeClr val="accent2">
+                <a:lumMod val="75000"/>
+              </a:schemeClr>
+            </a:solidFill>
+          </a:ln>
+        </p:spPr>
+        <p:style>
+          <a:lnRef idx="2">
+            <a:schemeClr val="accent1">
+              <a:shade val="50000"/>
+            </a:schemeClr>
+          </a:lnRef>
+          <a:fillRef idx="1">
+            <a:schemeClr val="accent1"/>
+          </a:fillRef>
+          <a:effectRef idx="0">
+            <a:schemeClr val="accent1"/>
+          </a:effectRef>
+          <a:fontRef idx="minor">
+            <a:schemeClr val="lt1"/>
+          </a:fontRef>
+        </p:style>
+        <p:txBody>
+          <a:bodyPr rtlCol="0" anchor="ctr"/>
+          <a:lstStyle/>
+          <a:p>
+            <a:pPr algn="ctr"/>
+            <a:endParaRPr lang="en-US"/>
+          </a:p>
+        </p:txBody>
+      </p:sp>
+      <p:sp>
+        <p:nvSpPr>
+          <p:cNvPr id="22" name="Oval 21">
+            <a:extLst>
+              <a:ext uri="{FF2B5EF4-FFF2-40B4-BE49-F238E27FC236}">
+                <a16:creationId xmlns:a16="http://schemas.microsoft.com/office/drawing/2014/main" id="{AB71A045-F7CC-A240-A29C-71793AC25F72}"/>
+              </a:ext>
+            </a:extLst>
+          </p:cNvPr>
+          <p:cNvSpPr/>
+          <p:nvPr/>
+        </p:nvSpPr>
+        <p:spPr>
+          <a:xfrm>
+            <a:off x="8340782" y="6060904"/>
+            <a:ext cx="219594" cy="228600"/>
+          </a:xfrm>
+          <a:prstGeom prst="ellipse">
+            <a:avLst/>
+          </a:prstGeom>
+          <a:solidFill>
+            <a:schemeClr val="accent2"/>
+          </a:solidFill>
+          <a:ln>
+            <a:solidFill>
+              <a:schemeClr val="accent2">
+                <a:lumMod val="75000"/>
+              </a:schemeClr>
+            </a:solidFill>
+          </a:ln>
+        </p:spPr>
+        <p:style>
+          <a:lnRef idx="2">
+            <a:schemeClr val="accent1">
+              <a:shade val="50000"/>
+            </a:schemeClr>
+          </a:lnRef>
+          <a:fillRef idx="1">
+            <a:schemeClr val="accent1"/>
+          </a:fillRef>
+          <a:effectRef idx="0">
+            <a:schemeClr val="accent1"/>
+          </a:effectRef>
+          <a:fontRef idx="minor">
+            <a:schemeClr val="lt1"/>
+          </a:fontRef>
+        </p:style>
+        <p:txBody>
+          <a:bodyPr rtlCol="0" anchor="ctr"/>
+          <a:lstStyle/>
+          <a:p>
+            <a:pPr algn="ctr"/>
+            <a:endParaRPr lang="en-US"/>
+          </a:p>
+        </p:txBody>
+      </p:sp>
+      <p:sp>
+        <p:nvSpPr>
+          <p:cNvPr id="23" name="Oval 22">
+            <a:extLst>
+              <a:ext uri="{FF2B5EF4-FFF2-40B4-BE49-F238E27FC236}">
+                <a16:creationId xmlns:a16="http://schemas.microsoft.com/office/drawing/2014/main" id="{D5F9729B-4259-C94E-8F2D-D577BE36E924}"/>
+              </a:ext>
+            </a:extLst>
+          </p:cNvPr>
+          <p:cNvSpPr/>
+          <p:nvPr/>
+        </p:nvSpPr>
+        <p:spPr>
+          <a:xfrm>
+            <a:off x="10927426" y="5055699"/>
+            <a:ext cx="219594" cy="228600"/>
+          </a:xfrm>
+          <a:prstGeom prst="ellipse">
+            <a:avLst/>
+          </a:prstGeom>
+          <a:solidFill>
+            <a:schemeClr val="accent2"/>
+          </a:solidFill>
+          <a:ln>
+            <a:solidFill>
+              <a:schemeClr val="accent2">
+                <a:lumMod val="75000"/>
+              </a:schemeClr>
+            </a:solidFill>
+          </a:ln>
+        </p:spPr>
+        <p:style>
+          <a:lnRef idx="2">
+            <a:schemeClr val="accent1">
+              <a:shade val="50000"/>
+            </a:schemeClr>
+          </a:lnRef>
+          <a:fillRef idx="1">
+            <a:schemeClr val="accent1"/>
+          </a:fillRef>
+          <a:effectRef idx="0">
+            <a:schemeClr val="accent1"/>
+          </a:effectRef>
+          <a:fontRef idx="minor">
+            <a:schemeClr val="lt1"/>
+          </a:fontRef>
+        </p:style>
+        <p:txBody>
+          <a:bodyPr rtlCol="0" anchor="ctr"/>
+          <a:lstStyle/>
+          <a:p>
+            <a:pPr algn="ctr"/>
+            <a:endParaRPr lang="en-US"/>
+          </a:p>
+        </p:txBody>
+      </p:sp>
+      <p:sp>
+        <p:nvSpPr>
+          <p:cNvPr id="24" name="Right Arrow 23">
+            <a:extLst>
+              <a:ext uri="{FF2B5EF4-FFF2-40B4-BE49-F238E27FC236}">
+                <a16:creationId xmlns:a16="http://schemas.microsoft.com/office/drawing/2014/main" id="{8FB82B34-7540-2844-8E72-89D0B5704179}"/>
+              </a:ext>
+            </a:extLst>
+          </p:cNvPr>
+          <p:cNvSpPr/>
+          <p:nvPr/>
+        </p:nvSpPr>
+        <p:spPr>
+          <a:xfrm rot="1514532">
+            <a:off x="1582444" y="5612375"/>
+            <a:ext cx="2017173" cy="139576"/>
+          </a:xfrm>
+          <a:prstGeom prst="rightArrow">
+            <a:avLst/>
+          </a:prstGeom>
+          <a:solidFill>
+            <a:schemeClr val="accent2"/>
+          </a:solidFill>
+          <a:ln>
+            <a:solidFill>
+              <a:schemeClr val="accent2">
+                <a:lumMod val="75000"/>
+              </a:schemeClr>
+            </a:solidFill>
+          </a:ln>
+        </p:spPr>
+        <p:style>
+          <a:lnRef idx="2">
+            <a:schemeClr val="accent1">
+              <a:shade val="50000"/>
+            </a:schemeClr>
+          </a:lnRef>
+          <a:fillRef idx="1">
+            <a:schemeClr val="accent1"/>
+          </a:fillRef>
+          <a:effectRef idx="0">
+            <a:schemeClr val="accent1"/>
+          </a:effectRef>
+          <a:fontRef idx="minor">
+            <a:schemeClr val="lt1"/>
+          </a:fontRef>
+        </p:style>
+        <p:txBody>
+          <a:bodyPr rtlCol="0" anchor="ctr"/>
+          <a:lstStyle/>
+          <a:p>
+            <a:pPr algn="ctr"/>
+            <a:endParaRPr lang="en-US"/>
+          </a:p>
+        </p:txBody>
+      </p:sp>
+      <p:sp>
+        <p:nvSpPr>
+          <p:cNvPr id="25" name="Right Arrow 24">
+            <a:extLst>
+              <a:ext uri="{FF2B5EF4-FFF2-40B4-BE49-F238E27FC236}">
+                <a16:creationId xmlns:a16="http://schemas.microsoft.com/office/drawing/2014/main" id="{F1B083CA-9016-D748-878A-75827189CBAA}"/>
+              </a:ext>
+            </a:extLst>
+          </p:cNvPr>
+          <p:cNvSpPr/>
+          <p:nvPr/>
+        </p:nvSpPr>
+        <p:spPr>
+          <a:xfrm>
+            <a:off x="3956004" y="6119776"/>
+            <a:ext cx="4279991" cy="110856"/>
+          </a:xfrm>
+          <a:prstGeom prst="rightArrow">
+            <a:avLst/>
+          </a:prstGeom>
+          <a:solidFill>
+            <a:schemeClr val="accent2"/>
+          </a:solidFill>
+          <a:ln>
+            <a:solidFill>
+              <a:schemeClr val="accent2">
+                <a:lumMod val="75000"/>
+              </a:schemeClr>
+            </a:solidFill>
+          </a:ln>
+        </p:spPr>
+        <p:style>
+          <a:lnRef idx="2">
+            <a:schemeClr val="accent1">
+              <a:shade val="50000"/>
+            </a:schemeClr>
+          </a:lnRef>
+          <a:fillRef idx="1">
+            <a:schemeClr val="accent1"/>
+          </a:fillRef>
+          <a:effectRef idx="0">
+            <a:schemeClr val="accent1"/>
+          </a:effectRef>
+          <a:fontRef idx="minor">
+            <a:schemeClr val="lt1"/>
+          </a:fontRef>
+        </p:style>
+        <p:txBody>
+          <a:bodyPr rtlCol="0" anchor="ctr"/>
+          <a:lstStyle/>
+          <a:p>
+            <a:pPr algn="ctr"/>
+            <a:endParaRPr lang="en-US"/>
+          </a:p>
+        </p:txBody>
+      </p:sp>
+      <p:sp>
+        <p:nvSpPr>
+          <p:cNvPr id="26" name="Right Arrow 25">
+            <a:extLst>
+              <a:ext uri="{FF2B5EF4-FFF2-40B4-BE49-F238E27FC236}">
+                <a16:creationId xmlns:a16="http://schemas.microsoft.com/office/drawing/2014/main" id="{73583AF9-9D33-DA4F-A8CD-62CF79D5AEDF}"/>
+              </a:ext>
+            </a:extLst>
+          </p:cNvPr>
+          <p:cNvSpPr/>
+          <p:nvPr/>
+        </p:nvSpPr>
+        <p:spPr>
+          <a:xfrm rot="20318205">
+            <a:off x="8631493" y="5644290"/>
+            <a:ext cx="2228269" cy="107133"/>
+          </a:xfrm>
+          <a:prstGeom prst="rightArrow">
+            <a:avLst/>
+          </a:prstGeom>
+          <a:solidFill>
+            <a:schemeClr val="accent2"/>
+          </a:solidFill>
+          <a:ln>
+            <a:solidFill>
+              <a:schemeClr val="accent2">
+                <a:lumMod val="75000"/>
+              </a:schemeClr>
+            </a:solidFill>
+          </a:ln>
+        </p:spPr>
+        <p:style>
+          <a:lnRef idx="2">
+            <a:schemeClr val="accent1">
+              <a:shade val="50000"/>
+            </a:schemeClr>
+          </a:lnRef>
+          <a:fillRef idx="1">
+            <a:schemeClr val="accent1"/>
+          </a:fillRef>
+          <a:effectRef idx="0">
+            <a:schemeClr val="accent1"/>
+          </a:effectRef>
+          <a:fontRef idx="minor">
+            <a:schemeClr val="lt1"/>
+          </a:fontRef>
+        </p:style>
+        <p:txBody>
+          <a:bodyPr rtlCol="0" anchor="ctr"/>
+          <a:lstStyle/>
+          <a:p>
+            <a:pPr algn="ctr"/>
+            <a:endParaRPr lang="en-US"/>
+          </a:p>
+        </p:txBody>
+      </p:sp>
+    </p:spTree>
+    <p:extLst>
+      <p:ext uri="{BB962C8B-B14F-4D97-AF65-F5344CB8AC3E}">
+        <p14:creationId xmlns:p14="http://schemas.microsoft.com/office/powerpoint/2010/main" val="2820962521"/>
+      </p:ext>
+    </p:extLst>
+  </p:cSld>
+  <p:clrMapOvr>
+    <a:masterClrMapping/>
+  </p:clrMapOvr>
+</p:sld>
+</file>
+
+<file path=ppt/slides/slide4.xml><?xml version="1.0" encoding="utf-8"?>
+<p:sld xmlns:a="http://schemas.openxmlformats.org/drawingml/2006/main" xmlns:r="http://schemas.openxmlformats.org/officeDocument/2006/relationships" xmlns:p="http://schemas.openxmlformats.org/presentationml/2006/main">
+  <p:cSld>
+    <p:spTree>
+      <p:nvGrpSpPr>
+        <p:cNvPr id="1" name=""/>
+        <p:cNvGrpSpPr/>
+        <p:nvPr/>
+      </p:nvGrpSpPr>
+      <p:grpSpPr>
+        <a:xfrm>
+          <a:off x="0" y="0"/>
+          <a:ext cx="0" cy="0"/>
+          <a:chOff x="0" y="0"/>
+          <a:chExt cx="0" cy="0"/>
+        </a:xfrm>
+      </p:grpSpPr>
+      <p:sp>
+        <p:nvSpPr>
+          <p:cNvPr id="4" name="Rectangle 3">
+            <a:extLst>
+              <a:ext uri="{FF2B5EF4-FFF2-40B4-BE49-F238E27FC236}">
                 <a16:creationId xmlns:a16="http://schemas.microsoft.com/office/drawing/2014/main" id="{E4E552D6-4F5B-7542-82E9-0BD0B4BFE299}"/>
               </a:ext>
             </a:extLst>
@@ -4970,7 +6033,7 @@
 </p:sld>
 </file>
 
-<file path=ppt/slides/slide4.xml><?xml version="1.0" encoding="utf-8"?>
+<file path=ppt/slides/slide5.xml><?xml version="1.0" encoding="utf-8"?>
 <p:sld xmlns:a="http://schemas.openxmlformats.org/drawingml/2006/main" xmlns:r="http://schemas.openxmlformats.org/officeDocument/2006/relationships" xmlns:p="http://schemas.openxmlformats.org/presentationml/2006/main">
   <p:cSld>
     <p:spTree>

--- a/assets/lib-backend.pptx
+++ b/assets/lib-backend.pptx
@@ -8,8 +8,8 @@
     <p:sldId id="256" r:id="rId2"/>
     <p:sldId id="258" r:id="rId3"/>
     <p:sldId id="261" r:id="rId4"/>
-    <p:sldId id="259" r:id="rId5"/>
-    <p:sldId id="260" r:id="rId6"/>
+    <p:sldId id="260" r:id="rId5"/>
+    <p:sldId id="262" r:id="rId6"/>
   </p:sldIdLst>
   <p:sldSz cx="12192000" cy="6858000"/>
   <p:notesSz cx="6858000" cy="9144000"/>
@@ -108,6 +108,11 @@
       </a:defRPr>
     </a:lvl9pPr>
   </p:defaultTextStyle>
+  <p:extLst>
+    <p:ext uri="{EFAFB233-063F-42B5-8137-9DF3F51BA10A}">
+      <p15:sldGuideLst xmlns:p15="http://schemas.microsoft.com/office/powerpoint/2012/main"/>
+    </p:ext>
+  </p:extLst>
 </p:presentation>
 </file>
 
@@ -258,7 +263,7 @@
           <a:p>
             <a:fld id="{860DBBF7-FE84-A848-AACA-747A7DBA28B8}" type="datetimeFigureOut">
               <a:rPr lang="en-US" smtClean="0"/>
-              <a:t>9/27/18</a:t>
+              <a:t>10/5/18</a:t>
             </a:fld>
             <a:endParaRPr lang="en-US"/>
           </a:p>
@@ -456,7 +461,7 @@
           <a:p>
             <a:fld id="{860DBBF7-FE84-A848-AACA-747A7DBA28B8}" type="datetimeFigureOut">
               <a:rPr lang="en-US" smtClean="0"/>
-              <a:t>9/27/18</a:t>
+              <a:t>10/5/18</a:t>
             </a:fld>
             <a:endParaRPr lang="en-US"/>
           </a:p>
@@ -664,7 +669,7 @@
           <a:p>
             <a:fld id="{860DBBF7-FE84-A848-AACA-747A7DBA28B8}" type="datetimeFigureOut">
               <a:rPr lang="en-US" smtClean="0"/>
-              <a:t>9/27/18</a:t>
+              <a:t>10/5/18</a:t>
             </a:fld>
             <a:endParaRPr lang="en-US"/>
           </a:p>
@@ -862,7 +867,7 @@
           <a:p>
             <a:fld id="{860DBBF7-FE84-A848-AACA-747A7DBA28B8}" type="datetimeFigureOut">
               <a:rPr lang="en-US" smtClean="0"/>
-              <a:t>9/27/18</a:t>
+              <a:t>10/5/18</a:t>
             </a:fld>
             <a:endParaRPr lang="en-US"/>
           </a:p>
@@ -1137,7 +1142,7 @@
           <a:p>
             <a:fld id="{860DBBF7-FE84-A848-AACA-747A7DBA28B8}" type="datetimeFigureOut">
               <a:rPr lang="en-US" smtClean="0"/>
-              <a:t>9/27/18</a:t>
+              <a:t>10/5/18</a:t>
             </a:fld>
             <a:endParaRPr lang="en-US"/>
           </a:p>
@@ -1402,7 +1407,7 @@
           <a:p>
             <a:fld id="{860DBBF7-FE84-A848-AACA-747A7DBA28B8}" type="datetimeFigureOut">
               <a:rPr lang="en-US" smtClean="0"/>
-              <a:t>9/27/18</a:t>
+              <a:t>10/5/18</a:t>
             </a:fld>
             <a:endParaRPr lang="en-US"/>
           </a:p>
@@ -1814,7 +1819,7 @@
           <a:p>
             <a:fld id="{860DBBF7-FE84-A848-AACA-747A7DBA28B8}" type="datetimeFigureOut">
               <a:rPr lang="en-US" smtClean="0"/>
-              <a:t>9/27/18</a:t>
+              <a:t>10/5/18</a:t>
             </a:fld>
             <a:endParaRPr lang="en-US"/>
           </a:p>
@@ -1955,7 +1960,7 @@
           <a:p>
             <a:fld id="{860DBBF7-FE84-A848-AACA-747A7DBA28B8}" type="datetimeFigureOut">
               <a:rPr lang="en-US" smtClean="0"/>
-              <a:t>9/27/18</a:t>
+              <a:t>10/5/18</a:t>
             </a:fld>
             <a:endParaRPr lang="en-US"/>
           </a:p>
@@ -2068,7 +2073,7 @@
           <a:p>
             <a:fld id="{860DBBF7-FE84-A848-AACA-747A7DBA28B8}" type="datetimeFigureOut">
               <a:rPr lang="en-US" smtClean="0"/>
-              <a:t>9/27/18</a:t>
+              <a:t>10/5/18</a:t>
             </a:fld>
             <a:endParaRPr lang="en-US"/>
           </a:p>
@@ -2379,7 +2384,7 @@
           <a:p>
             <a:fld id="{860DBBF7-FE84-A848-AACA-747A7DBA28B8}" type="datetimeFigureOut">
               <a:rPr lang="en-US" smtClean="0"/>
-              <a:t>9/27/18</a:t>
+              <a:t>10/5/18</a:t>
             </a:fld>
             <a:endParaRPr lang="en-US"/>
           </a:p>
@@ -2667,7 +2672,7 @@
           <a:p>
             <a:fld id="{860DBBF7-FE84-A848-AACA-747A7DBA28B8}" type="datetimeFigureOut">
               <a:rPr lang="en-US" smtClean="0"/>
-              <a:t>9/27/18</a:t>
+              <a:t>10/5/18</a:t>
             </a:fld>
             <a:endParaRPr lang="en-US"/>
           </a:p>
@@ -2908,7 +2913,7 @@
           <a:p>
             <a:fld id="{860DBBF7-FE84-A848-AACA-747A7DBA28B8}" type="datetimeFigureOut">
               <a:rPr lang="en-US" smtClean="0"/>
-              <a:t>9/27/18</a:t>
+              <a:t>10/5/18</a:t>
             </a:fld>
             <a:endParaRPr lang="en-US"/>
           </a:p>
@@ -5617,10 +5622,729 @@
       </p:grpSpPr>
       <p:sp>
         <p:nvSpPr>
-          <p:cNvPr id="4" name="Rectangle 3">
-            <a:extLst>
-              <a:ext uri="{FF2B5EF4-FFF2-40B4-BE49-F238E27FC236}">
-                <a16:creationId xmlns:a16="http://schemas.microsoft.com/office/drawing/2014/main" id="{E4E552D6-4F5B-7542-82E9-0BD0B4BFE299}"/>
+          <p:cNvPr id="4" name="Rounded Rectangle 3">
+            <a:extLst>
+              <a:ext uri="{FF2B5EF4-FFF2-40B4-BE49-F238E27FC236}">
+                <a16:creationId xmlns:a16="http://schemas.microsoft.com/office/drawing/2014/main" id="{DCDCCDB2-576F-D64A-B2B0-5FF0CFCF2D5A}"/>
+              </a:ext>
+            </a:extLst>
+          </p:cNvPr>
+          <p:cNvSpPr/>
+          <p:nvPr/>
+        </p:nvSpPr>
+        <p:spPr>
+          <a:xfrm>
+            <a:off x="580046" y="813124"/>
+            <a:ext cx="1318260" cy="943494"/>
+          </a:xfrm>
+          <a:prstGeom prst="roundRect">
+            <a:avLst/>
+          </a:prstGeom>
+          <a:solidFill>
+            <a:srgbClr val="BA3B50"/>
+          </a:solidFill>
+          <a:ln>
+            <a:solidFill>
+              <a:schemeClr val="accent2"/>
+            </a:solidFill>
+          </a:ln>
+        </p:spPr>
+        <p:style>
+          <a:lnRef idx="2">
+            <a:schemeClr val="accent1">
+              <a:shade val="50000"/>
+            </a:schemeClr>
+          </a:lnRef>
+          <a:fillRef idx="1">
+            <a:schemeClr val="accent1"/>
+          </a:fillRef>
+          <a:effectRef idx="0">
+            <a:schemeClr val="accent1"/>
+          </a:effectRef>
+          <a:fontRef idx="minor">
+            <a:schemeClr val="lt1"/>
+          </a:fontRef>
+        </p:style>
+        <p:txBody>
+          <a:bodyPr rtlCol="0" anchor="ctr"/>
+          <a:lstStyle/>
+          <a:p>
+            <a:pPr algn="ctr"/>
+            <a:endParaRPr lang="en-US" dirty="0"/>
+          </a:p>
+        </p:txBody>
+      </p:sp>
+      <p:sp>
+        <p:nvSpPr>
+          <p:cNvPr id="5" name="Rounded Rectangle 4">
+            <a:extLst>
+              <a:ext uri="{FF2B5EF4-FFF2-40B4-BE49-F238E27FC236}">
+                <a16:creationId xmlns:a16="http://schemas.microsoft.com/office/drawing/2014/main" id="{51D43988-4AFA-914C-A41E-9EB3D0D051F9}"/>
+              </a:ext>
+            </a:extLst>
+          </p:cNvPr>
+          <p:cNvSpPr/>
+          <p:nvPr/>
+        </p:nvSpPr>
+        <p:spPr>
+          <a:xfrm>
+            <a:off x="4777740" y="2683626"/>
+            <a:ext cx="1318260" cy="943494"/>
+          </a:xfrm>
+          <a:prstGeom prst="roundRect">
+            <a:avLst/>
+          </a:prstGeom>
+          <a:solidFill>
+            <a:srgbClr val="BA3B50"/>
+          </a:solidFill>
+          <a:ln>
+            <a:solidFill>
+              <a:schemeClr val="accent2"/>
+            </a:solidFill>
+          </a:ln>
+        </p:spPr>
+        <p:style>
+          <a:lnRef idx="2">
+            <a:schemeClr val="accent1">
+              <a:shade val="50000"/>
+            </a:schemeClr>
+          </a:lnRef>
+          <a:fillRef idx="1">
+            <a:schemeClr val="accent1"/>
+          </a:fillRef>
+          <a:effectRef idx="0">
+            <a:schemeClr val="accent1"/>
+          </a:effectRef>
+          <a:fontRef idx="minor">
+            <a:schemeClr val="lt1"/>
+          </a:fontRef>
+        </p:style>
+        <p:txBody>
+          <a:bodyPr rtlCol="0" anchor="ctr"/>
+          <a:lstStyle/>
+          <a:p>
+            <a:pPr algn="ctr"/>
+            <a:endParaRPr lang="en-US" dirty="0"/>
+          </a:p>
+        </p:txBody>
+      </p:sp>
+      <p:sp>
+        <p:nvSpPr>
+          <p:cNvPr id="6" name="Rounded Rectangle 5">
+            <a:extLst>
+              <a:ext uri="{FF2B5EF4-FFF2-40B4-BE49-F238E27FC236}">
+                <a16:creationId xmlns:a16="http://schemas.microsoft.com/office/drawing/2014/main" id="{9025D028-1219-3E49-99C1-9066858DB7E8}"/>
+              </a:ext>
+            </a:extLst>
+          </p:cNvPr>
+          <p:cNvSpPr/>
+          <p:nvPr/>
+        </p:nvSpPr>
+        <p:spPr>
+          <a:xfrm>
+            <a:off x="2827020" y="1417320"/>
+            <a:ext cx="1318260" cy="943494"/>
+          </a:xfrm>
+          <a:prstGeom prst="roundRect">
+            <a:avLst/>
+          </a:prstGeom>
+          <a:solidFill>
+            <a:srgbClr val="BA3B50"/>
+          </a:solidFill>
+          <a:ln>
+            <a:solidFill>
+              <a:schemeClr val="accent2"/>
+            </a:solidFill>
+          </a:ln>
+        </p:spPr>
+        <p:style>
+          <a:lnRef idx="2">
+            <a:schemeClr val="accent1">
+              <a:shade val="50000"/>
+            </a:schemeClr>
+          </a:lnRef>
+          <a:fillRef idx="1">
+            <a:schemeClr val="accent1"/>
+          </a:fillRef>
+          <a:effectRef idx="0">
+            <a:schemeClr val="accent1"/>
+          </a:effectRef>
+          <a:fontRef idx="minor">
+            <a:schemeClr val="lt1"/>
+          </a:fontRef>
+        </p:style>
+        <p:txBody>
+          <a:bodyPr rtlCol="0" anchor="ctr"/>
+          <a:lstStyle/>
+          <a:p>
+            <a:pPr algn="ctr"/>
+            <a:endParaRPr lang="en-US" dirty="0"/>
+          </a:p>
+        </p:txBody>
+      </p:sp>
+      <p:sp>
+        <p:nvSpPr>
+          <p:cNvPr id="7" name="Rounded Rectangle 6">
+            <a:extLst>
+              <a:ext uri="{FF2B5EF4-FFF2-40B4-BE49-F238E27FC236}">
+                <a16:creationId xmlns:a16="http://schemas.microsoft.com/office/drawing/2014/main" id="{2AC40CC1-6FA3-B647-A393-B776A47EAB36}"/>
+              </a:ext>
+            </a:extLst>
+          </p:cNvPr>
+          <p:cNvSpPr/>
+          <p:nvPr/>
+        </p:nvSpPr>
+        <p:spPr>
+          <a:xfrm>
+            <a:off x="601980" y="2754630"/>
+            <a:ext cx="1318260" cy="943494"/>
+          </a:xfrm>
+          <a:prstGeom prst="roundRect">
+            <a:avLst/>
+          </a:prstGeom>
+          <a:solidFill>
+            <a:srgbClr val="BA3B50"/>
+          </a:solidFill>
+          <a:ln>
+            <a:solidFill>
+              <a:schemeClr val="accent2"/>
+            </a:solidFill>
+          </a:ln>
+        </p:spPr>
+        <p:style>
+          <a:lnRef idx="2">
+            <a:schemeClr val="accent1">
+              <a:shade val="50000"/>
+            </a:schemeClr>
+          </a:lnRef>
+          <a:fillRef idx="1">
+            <a:schemeClr val="accent1"/>
+          </a:fillRef>
+          <a:effectRef idx="0">
+            <a:schemeClr val="accent1"/>
+          </a:effectRef>
+          <a:fontRef idx="minor">
+            <a:schemeClr val="lt1"/>
+          </a:fontRef>
+        </p:style>
+        <p:txBody>
+          <a:bodyPr rtlCol="0" anchor="ctr"/>
+          <a:lstStyle/>
+          <a:p>
+            <a:pPr algn="ctr"/>
+            <a:endParaRPr lang="en-US" dirty="0"/>
+          </a:p>
+        </p:txBody>
+      </p:sp>
+      <p:sp>
+        <p:nvSpPr>
+          <p:cNvPr id="8" name="Rounded Rectangle 7">
+            <a:extLst>
+              <a:ext uri="{FF2B5EF4-FFF2-40B4-BE49-F238E27FC236}">
+                <a16:creationId xmlns:a16="http://schemas.microsoft.com/office/drawing/2014/main" id="{B7C737BF-186A-174D-9C6E-F0BBF9B12E54}"/>
+              </a:ext>
+            </a:extLst>
+          </p:cNvPr>
+          <p:cNvSpPr/>
+          <p:nvPr/>
+        </p:nvSpPr>
+        <p:spPr>
+          <a:xfrm>
+            <a:off x="2827020" y="3813810"/>
+            <a:ext cx="1318260" cy="943494"/>
+          </a:xfrm>
+          <a:prstGeom prst="roundRect">
+            <a:avLst/>
+          </a:prstGeom>
+          <a:solidFill>
+            <a:srgbClr val="BA3B50"/>
+          </a:solidFill>
+          <a:ln>
+            <a:solidFill>
+              <a:schemeClr val="accent2"/>
+            </a:solidFill>
+          </a:ln>
+        </p:spPr>
+        <p:style>
+          <a:lnRef idx="2">
+            <a:schemeClr val="accent1">
+              <a:shade val="50000"/>
+            </a:schemeClr>
+          </a:lnRef>
+          <a:fillRef idx="1">
+            <a:schemeClr val="accent1"/>
+          </a:fillRef>
+          <a:effectRef idx="0">
+            <a:schemeClr val="accent1"/>
+          </a:effectRef>
+          <a:fontRef idx="minor">
+            <a:schemeClr val="lt1"/>
+          </a:fontRef>
+        </p:style>
+        <p:txBody>
+          <a:bodyPr rtlCol="0" anchor="ctr"/>
+          <a:lstStyle/>
+          <a:p>
+            <a:pPr algn="ctr"/>
+            <a:endParaRPr lang="en-US" dirty="0"/>
+          </a:p>
+        </p:txBody>
+      </p:sp>
+      <p:sp>
+        <p:nvSpPr>
+          <p:cNvPr id="9" name="Rounded Rectangle 8">
+            <a:extLst>
+              <a:ext uri="{FF2B5EF4-FFF2-40B4-BE49-F238E27FC236}">
+                <a16:creationId xmlns:a16="http://schemas.microsoft.com/office/drawing/2014/main" id="{8527113F-9DDB-0145-BF30-7BA87BDB8EAD}"/>
+              </a:ext>
+            </a:extLst>
+          </p:cNvPr>
+          <p:cNvSpPr/>
+          <p:nvPr/>
+        </p:nvSpPr>
+        <p:spPr>
+          <a:xfrm>
+            <a:off x="601980" y="4785360"/>
+            <a:ext cx="1318260" cy="943494"/>
+          </a:xfrm>
+          <a:prstGeom prst="roundRect">
+            <a:avLst/>
+          </a:prstGeom>
+          <a:solidFill>
+            <a:srgbClr val="BA3B50"/>
+          </a:solidFill>
+          <a:ln>
+            <a:solidFill>
+              <a:schemeClr val="accent2"/>
+            </a:solidFill>
+          </a:ln>
+        </p:spPr>
+        <p:style>
+          <a:lnRef idx="2">
+            <a:schemeClr val="accent1">
+              <a:shade val="50000"/>
+            </a:schemeClr>
+          </a:lnRef>
+          <a:fillRef idx="1">
+            <a:schemeClr val="accent1"/>
+          </a:fillRef>
+          <a:effectRef idx="0">
+            <a:schemeClr val="accent1"/>
+          </a:effectRef>
+          <a:fontRef idx="minor">
+            <a:schemeClr val="lt1"/>
+          </a:fontRef>
+        </p:style>
+        <p:txBody>
+          <a:bodyPr rtlCol="0" anchor="ctr"/>
+          <a:lstStyle/>
+          <a:p>
+            <a:pPr algn="ctr"/>
+            <a:endParaRPr lang="en-US" dirty="0"/>
+          </a:p>
+        </p:txBody>
+      </p:sp>
+      <p:sp>
+        <p:nvSpPr>
+          <p:cNvPr id="14" name="Right Arrow 13">
+            <a:extLst>
+              <a:ext uri="{FF2B5EF4-FFF2-40B4-BE49-F238E27FC236}">
+                <a16:creationId xmlns:a16="http://schemas.microsoft.com/office/drawing/2014/main" id="{64AA35D3-F80B-E84E-9768-1F530E739DB8}"/>
+              </a:ext>
+            </a:extLst>
+          </p:cNvPr>
+          <p:cNvSpPr/>
+          <p:nvPr/>
+        </p:nvSpPr>
+        <p:spPr>
+          <a:xfrm rot="1795754">
+            <a:off x="1719465" y="1434569"/>
+            <a:ext cx="1308331" cy="304800"/>
+          </a:xfrm>
+          <a:prstGeom prst="rightArrow">
+            <a:avLst/>
+          </a:prstGeom>
+          <a:solidFill>
+            <a:srgbClr val="FF8D9B"/>
+          </a:solidFill>
+          <a:ln>
+            <a:solidFill>
+              <a:schemeClr val="accent2">
+                <a:lumMod val="75000"/>
+              </a:schemeClr>
+            </a:solidFill>
+          </a:ln>
+        </p:spPr>
+        <p:style>
+          <a:lnRef idx="2">
+            <a:schemeClr val="accent1">
+              <a:shade val="50000"/>
+            </a:schemeClr>
+          </a:lnRef>
+          <a:fillRef idx="1">
+            <a:schemeClr val="accent1"/>
+          </a:fillRef>
+          <a:effectRef idx="0">
+            <a:schemeClr val="accent1"/>
+          </a:effectRef>
+          <a:fontRef idx="minor">
+            <a:schemeClr val="lt1"/>
+          </a:fontRef>
+        </p:style>
+        <p:txBody>
+          <a:bodyPr rtlCol="0" anchor="ctr"/>
+          <a:lstStyle/>
+          <a:p>
+            <a:pPr algn="ctr"/>
+            <a:endParaRPr lang="en-US"/>
+          </a:p>
+        </p:txBody>
+      </p:sp>
+      <p:sp>
+        <p:nvSpPr>
+          <p:cNvPr id="15" name="Right Arrow 14">
+            <a:extLst>
+              <a:ext uri="{FF2B5EF4-FFF2-40B4-BE49-F238E27FC236}">
+                <a16:creationId xmlns:a16="http://schemas.microsoft.com/office/drawing/2014/main" id="{94870A89-B6F8-6E46-9CB2-B40F23926195}"/>
+              </a:ext>
+            </a:extLst>
+          </p:cNvPr>
+          <p:cNvSpPr/>
+          <p:nvPr/>
+        </p:nvSpPr>
+        <p:spPr>
+          <a:xfrm rot="19430494">
+            <a:off x="1685638" y="4568278"/>
+            <a:ext cx="1401252" cy="304800"/>
+          </a:xfrm>
+          <a:prstGeom prst="rightArrow">
+            <a:avLst/>
+          </a:prstGeom>
+          <a:solidFill>
+            <a:srgbClr val="FF8D9B"/>
+          </a:solidFill>
+          <a:ln>
+            <a:solidFill>
+              <a:schemeClr val="accent2">
+                <a:lumMod val="75000"/>
+              </a:schemeClr>
+            </a:solidFill>
+          </a:ln>
+        </p:spPr>
+        <p:style>
+          <a:lnRef idx="2">
+            <a:schemeClr val="accent1">
+              <a:shade val="50000"/>
+            </a:schemeClr>
+          </a:lnRef>
+          <a:fillRef idx="1">
+            <a:schemeClr val="accent1"/>
+          </a:fillRef>
+          <a:effectRef idx="0">
+            <a:schemeClr val="accent1"/>
+          </a:effectRef>
+          <a:fontRef idx="minor">
+            <a:schemeClr val="lt1"/>
+          </a:fontRef>
+        </p:style>
+        <p:txBody>
+          <a:bodyPr rtlCol="0" anchor="ctr"/>
+          <a:lstStyle/>
+          <a:p>
+            <a:pPr algn="ctr"/>
+            <a:endParaRPr lang="en-US"/>
+          </a:p>
+        </p:txBody>
+      </p:sp>
+      <p:sp>
+        <p:nvSpPr>
+          <p:cNvPr id="16" name="Right Arrow 15">
+            <a:extLst>
+              <a:ext uri="{FF2B5EF4-FFF2-40B4-BE49-F238E27FC236}">
+                <a16:creationId xmlns:a16="http://schemas.microsoft.com/office/drawing/2014/main" id="{92A7889B-25E3-654C-91E6-163505FCD628}"/>
+              </a:ext>
+            </a:extLst>
+          </p:cNvPr>
+          <p:cNvSpPr/>
+          <p:nvPr/>
+        </p:nvSpPr>
+        <p:spPr>
+          <a:xfrm rot="19430494">
+            <a:off x="3910781" y="3552435"/>
+            <a:ext cx="1137820" cy="304800"/>
+          </a:xfrm>
+          <a:prstGeom prst="rightArrow">
+            <a:avLst/>
+          </a:prstGeom>
+          <a:solidFill>
+            <a:srgbClr val="FF8D9B"/>
+          </a:solidFill>
+          <a:ln>
+            <a:solidFill>
+              <a:schemeClr val="accent2">
+                <a:lumMod val="75000"/>
+              </a:schemeClr>
+            </a:solidFill>
+          </a:ln>
+        </p:spPr>
+        <p:style>
+          <a:lnRef idx="2">
+            <a:schemeClr val="accent1">
+              <a:shade val="50000"/>
+            </a:schemeClr>
+          </a:lnRef>
+          <a:fillRef idx="1">
+            <a:schemeClr val="accent1"/>
+          </a:fillRef>
+          <a:effectRef idx="0">
+            <a:schemeClr val="accent1"/>
+          </a:effectRef>
+          <a:fontRef idx="minor">
+            <a:schemeClr val="lt1"/>
+          </a:fontRef>
+        </p:style>
+        <p:txBody>
+          <a:bodyPr rtlCol="0" anchor="ctr"/>
+          <a:lstStyle/>
+          <a:p>
+            <a:pPr algn="ctr"/>
+            <a:endParaRPr lang="en-US"/>
+          </a:p>
+        </p:txBody>
+      </p:sp>
+      <p:sp>
+        <p:nvSpPr>
+          <p:cNvPr id="18" name="Right Arrow 17">
+            <a:extLst>
+              <a:ext uri="{FF2B5EF4-FFF2-40B4-BE49-F238E27FC236}">
+                <a16:creationId xmlns:a16="http://schemas.microsoft.com/office/drawing/2014/main" id="{963B713B-FE02-7043-968E-D2B352E1B030}"/>
+              </a:ext>
+            </a:extLst>
+          </p:cNvPr>
+          <p:cNvSpPr/>
+          <p:nvPr/>
+        </p:nvSpPr>
+        <p:spPr>
+          <a:xfrm rot="2561945">
+            <a:off x="3871006" y="2347950"/>
+            <a:ext cx="1228224" cy="304800"/>
+          </a:xfrm>
+          <a:prstGeom prst="rightArrow">
+            <a:avLst/>
+          </a:prstGeom>
+          <a:solidFill>
+            <a:srgbClr val="FF8D9B"/>
+          </a:solidFill>
+          <a:ln>
+            <a:solidFill>
+              <a:schemeClr val="accent2">
+                <a:lumMod val="75000"/>
+              </a:schemeClr>
+            </a:solidFill>
+          </a:ln>
+        </p:spPr>
+        <p:style>
+          <a:lnRef idx="2">
+            <a:schemeClr val="accent1">
+              <a:shade val="50000"/>
+            </a:schemeClr>
+          </a:lnRef>
+          <a:fillRef idx="1">
+            <a:schemeClr val="accent1"/>
+          </a:fillRef>
+          <a:effectRef idx="0">
+            <a:schemeClr val="accent1"/>
+          </a:effectRef>
+          <a:fontRef idx="minor">
+            <a:schemeClr val="lt1"/>
+          </a:fontRef>
+        </p:style>
+        <p:txBody>
+          <a:bodyPr rtlCol="0" anchor="ctr"/>
+          <a:lstStyle/>
+          <a:p>
+            <a:pPr algn="ctr"/>
+            <a:endParaRPr lang="en-US"/>
+          </a:p>
+        </p:txBody>
+      </p:sp>
+      <p:sp>
+        <p:nvSpPr>
+          <p:cNvPr id="19" name="Right Arrow 18">
+            <a:extLst>
+              <a:ext uri="{FF2B5EF4-FFF2-40B4-BE49-F238E27FC236}">
+                <a16:creationId xmlns:a16="http://schemas.microsoft.com/office/drawing/2014/main" id="{60249C86-ACCB-2545-9739-ECD4EAC10D73}"/>
+              </a:ext>
+            </a:extLst>
+          </p:cNvPr>
+          <p:cNvSpPr/>
+          <p:nvPr/>
+        </p:nvSpPr>
+        <p:spPr>
+          <a:xfrm rot="2394667">
+            <a:off x="1643596" y="3492537"/>
+            <a:ext cx="1524702" cy="304800"/>
+          </a:xfrm>
+          <a:prstGeom prst="rightArrow">
+            <a:avLst/>
+          </a:prstGeom>
+          <a:solidFill>
+            <a:srgbClr val="FF8D9B"/>
+          </a:solidFill>
+          <a:ln>
+            <a:solidFill>
+              <a:schemeClr val="accent2">
+                <a:lumMod val="75000"/>
+              </a:schemeClr>
+            </a:solidFill>
+          </a:ln>
+        </p:spPr>
+        <p:style>
+          <a:lnRef idx="2">
+            <a:schemeClr val="accent1">
+              <a:shade val="50000"/>
+            </a:schemeClr>
+          </a:lnRef>
+          <a:fillRef idx="1">
+            <a:schemeClr val="accent1"/>
+          </a:fillRef>
+          <a:effectRef idx="0">
+            <a:schemeClr val="accent1"/>
+          </a:effectRef>
+          <a:fontRef idx="minor">
+            <a:schemeClr val="lt1"/>
+          </a:fontRef>
+        </p:style>
+        <p:txBody>
+          <a:bodyPr rtlCol="0" anchor="ctr"/>
+          <a:lstStyle/>
+          <a:p>
+            <a:pPr algn="ctr"/>
+            <a:endParaRPr lang="en-US"/>
+          </a:p>
+        </p:txBody>
+      </p:sp>
+      <p:sp>
+        <p:nvSpPr>
+          <p:cNvPr id="21" name="Rounded Rectangle 20">
+            <a:extLst>
+              <a:ext uri="{FF2B5EF4-FFF2-40B4-BE49-F238E27FC236}">
+                <a16:creationId xmlns:a16="http://schemas.microsoft.com/office/drawing/2014/main" id="{5E439F51-51AB-4548-B55C-A5AB55E626BC}"/>
+              </a:ext>
+            </a:extLst>
+          </p:cNvPr>
+          <p:cNvSpPr/>
+          <p:nvPr/>
+        </p:nvSpPr>
+        <p:spPr>
+          <a:xfrm>
+            <a:off x="8778240" y="2155767"/>
+            <a:ext cx="2506980" cy="2141220"/>
+          </a:xfrm>
+          <a:prstGeom prst="roundRect">
+            <a:avLst/>
+          </a:prstGeom>
+          <a:solidFill>
+            <a:srgbClr val="BA3B50"/>
+          </a:solidFill>
+          <a:ln>
+            <a:solidFill>
+              <a:schemeClr val="accent2">
+                <a:lumMod val="75000"/>
+              </a:schemeClr>
+            </a:solidFill>
+          </a:ln>
+        </p:spPr>
+        <p:style>
+          <a:lnRef idx="2">
+            <a:schemeClr val="accent1">
+              <a:shade val="50000"/>
+            </a:schemeClr>
+          </a:lnRef>
+          <a:fillRef idx="1">
+            <a:schemeClr val="accent1"/>
+          </a:fillRef>
+          <a:effectRef idx="0">
+            <a:schemeClr val="accent1"/>
+          </a:effectRef>
+          <a:fontRef idx="minor">
+            <a:schemeClr val="lt1"/>
+          </a:fontRef>
+        </p:style>
+        <p:txBody>
+          <a:bodyPr rtlCol="0" anchor="ctr"/>
+          <a:lstStyle/>
+          <a:p>
+            <a:pPr algn="ctr"/>
+            <a:r>
+              <a:rPr lang="en-US" dirty="0"/>
+              <a:t>View Elements</a:t>
+            </a:r>
+          </a:p>
+        </p:txBody>
+      </p:sp>
+      <p:sp>
+        <p:nvSpPr>
+          <p:cNvPr id="22" name="Striped Right Arrow 21">
+            <a:extLst>
+              <a:ext uri="{FF2B5EF4-FFF2-40B4-BE49-F238E27FC236}">
+                <a16:creationId xmlns:a16="http://schemas.microsoft.com/office/drawing/2014/main" id="{904A2094-F546-3747-9B9E-18AB6A6C7428}"/>
+              </a:ext>
+            </a:extLst>
+          </p:cNvPr>
+          <p:cNvSpPr/>
+          <p:nvPr/>
+        </p:nvSpPr>
+        <p:spPr>
+          <a:xfrm>
+            <a:off x="6659880" y="2754630"/>
+            <a:ext cx="1630680" cy="872490"/>
+          </a:xfrm>
+          <a:prstGeom prst="stripedRightArrow">
+            <a:avLst/>
+          </a:prstGeom>
+          <a:solidFill>
+            <a:srgbClr val="FF8D9B"/>
+          </a:solidFill>
+          <a:ln>
+            <a:solidFill>
+              <a:schemeClr val="accent2">
+                <a:lumMod val="75000"/>
+              </a:schemeClr>
+            </a:solidFill>
+          </a:ln>
+        </p:spPr>
+        <p:style>
+          <a:lnRef idx="2">
+            <a:schemeClr val="accent1">
+              <a:shade val="50000"/>
+            </a:schemeClr>
+          </a:lnRef>
+          <a:fillRef idx="1">
+            <a:schemeClr val="accent1"/>
+          </a:fillRef>
+          <a:effectRef idx="0">
+            <a:schemeClr val="accent1"/>
+          </a:effectRef>
+          <a:fontRef idx="minor">
+            <a:schemeClr val="lt1"/>
+          </a:fontRef>
+        </p:style>
+        <p:txBody>
+          <a:bodyPr rtlCol="0" anchor="ctr"/>
+          <a:lstStyle/>
+          <a:p>
+            <a:pPr algn="ctr"/>
+            <a:endParaRPr lang="en-US"/>
+          </a:p>
+        </p:txBody>
+      </p:sp>
+      <p:sp>
+        <p:nvSpPr>
+          <p:cNvPr id="20" name="Rectangle 19">
+            <a:extLst>
+              <a:ext uri="{FF2B5EF4-FFF2-40B4-BE49-F238E27FC236}">
+                <a16:creationId xmlns:a16="http://schemas.microsoft.com/office/drawing/2014/main" id="{3EE43D8B-6759-DE42-81BE-C4F9708C8CF2}"/>
               </a:ext>
             </a:extLst>
           </p:cNvPr>
@@ -5689,341 +6413,10 @@
           </a:p>
         </p:txBody>
       </p:sp>
-      <p:sp>
-        <p:nvSpPr>
-          <p:cNvPr id="5" name="Rounded Rectangle 4">
-            <a:extLst>
-              <a:ext uri="{FF2B5EF4-FFF2-40B4-BE49-F238E27FC236}">
-                <a16:creationId xmlns:a16="http://schemas.microsoft.com/office/drawing/2014/main" id="{ADBDB822-2FF8-D842-9B13-B2F73D24D822}"/>
-              </a:ext>
-            </a:extLst>
-          </p:cNvPr>
-          <p:cNvSpPr/>
-          <p:nvPr/>
-        </p:nvSpPr>
-        <p:spPr>
-          <a:xfrm>
-            <a:off x="5157355" y="2601885"/>
-            <a:ext cx="1845425" cy="1359129"/>
-          </a:xfrm>
-          <a:prstGeom prst="roundRect">
-            <a:avLst/>
-          </a:prstGeom>
-          <a:solidFill>
-            <a:schemeClr val="accent2"/>
-          </a:solidFill>
-          <a:ln>
-            <a:solidFill>
-              <a:schemeClr val="accent2"/>
-            </a:solidFill>
-          </a:ln>
-        </p:spPr>
-        <p:style>
-          <a:lnRef idx="2">
-            <a:schemeClr val="accent1">
-              <a:shade val="50000"/>
-            </a:schemeClr>
-          </a:lnRef>
-          <a:fillRef idx="1">
-            <a:schemeClr val="accent1"/>
-          </a:fillRef>
-          <a:effectRef idx="0">
-            <a:schemeClr val="accent1"/>
-          </a:effectRef>
-          <a:fontRef idx="minor">
-            <a:schemeClr val="lt1"/>
-          </a:fontRef>
-        </p:style>
-        <p:txBody>
-          <a:bodyPr rtlCol="0" anchor="ctr"/>
-          <a:lstStyle/>
-          <a:p>
-            <a:pPr algn="ctr"/>
-            <a:r>
-              <a:rPr lang="en-US" sz="4000" dirty="0"/>
-              <a:t>AST</a:t>
-            </a:r>
-          </a:p>
-        </p:txBody>
-      </p:sp>
-      <p:sp>
-        <p:nvSpPr>
-          <p:cNvPr id="19" name="Rectangle 18">
-            <a:extLst>
-              <a:ext uri="{FF2B5EF4-FFF2-40B4-BE49-F238E27FC236}">
-                <a16:creationId xmlns:a16="http://schemas.microsoft.com/office/drawing/2014/main" id="{A827CBB0-84E5-7249-A924-6E7A5F609F19}"/>
-              </a:ext>
-            </a:extLst>
-          </p:cNvPr>
-          <p:cNvSpPr/>
-          <p:nvPr/>
-        </p:nvSpPr>
-        <p:spPr>
-          <a:xfrm>
-            <a:off x="514222" y="2482916"/>
-            <a:ext cx="3856018" cy="1754326"/>
-          </a:xfrm>
-          <a:prstGeom prst="rect">
-            <a:avLst/>
-          </a:prstGeom>
-          <a:noFill/>
-        </p:spPr>
-        <p:txBody>
-          <a:bodyPr wrap="square" lIns="91440" tIns="45720" rIns="91440" bIns="45720">
-            <a:spAutoFit/>
-          </a:bodyPr>
-          <a:lstStyle/>
-          <a:p>
-            <a:pPr algn="ctr"/>
-            <a:r>
-              <a:rPr lang="en-US" sz="5400" b="1" cap="none" spc="0" dirty="0">
-                <a:ln w="6600">
-                  <a:solidFill>
-                    <a:schemeClr val="accent2"/>
-                  </a:solidFill>
-                  <a:prstDash val="solid"/>
-                </a:ln>
-                <a:solidFill>
-                  <a:srgbClr val="FFFFFF"/>
-                </a:solidFill>
-                <a:effectLst>
-                  <a:outerShdw dist="38100" dir="2700000" algn="tl" rotWithShape="0">
-                    <a:schemeClr val="accent2"/>
-                  </a:outerShdw>
-                </a:effectLst>
-              </a:rPr>
-              <a:t>Compiler Frontend</a:t>
-            </a:r>
-          </a:p>
-        </p:txBody>
-      </p:sp>
-      <p:sp>
-        <p:nvSpPr>
-          <p:cNvPr id="20" name="Rectangle 19">
-            <a:extLst>
-              <a:ext uri="{FF2B5EF4-FFF2-40B4-BE49-F238E27FC236}">
-                <a16:creationId xmlns:a16="http://schemas.microsoft.com/office/drawing/2014/main" id="{76707A11-AC5F-524D-862F-977EC8477B98}"/>
-              </a:ext>
-            </a:extLst>
-          </p:cNvPr>
-          <p:cNvSpPr/>
-          <p:nvPr/>
-        </p:nvSpPr>
-        <p:spPr>
-          <a:xfrm>
-            <a:off x="7789895" y="2482916"/>
-            <a:ext cx="3856018" cy="1754326"/>
-          </a:xfrm>
-          <a:prstGeom prst="rect">
-            <a:avLst/>
-          </a:prstGeom>
-          <a:noFill/>
-        </p:spPr>
-        <p:txBody>
-          <a:bodyPr wrap="square" lIns="91440" tIns="45720" rIns="91440" bIns="45720">
-            <a:spAutoFit/>
-          </a:bodyPr>
-          <a:lstStyle/>
-          <a:p>
-            <a:pPr algn="ctr"/>
-            <a:r>
-              <a:rPr lang="en-US" sz="5400" b="1" cap="none" spc="0" dirty="0">
-                <a:ln w="6600">
-                  <a:solidFill>
-                    <a:schemeClr val="accent2"/>
-                  </a:solidFill>
-                  <a:prstDash val="solid"/>
-                </a:ln>
-                <a:solidFill>
-                  <a:srgbClr val="FFFFFF"/>
-                </a:solidFill>
-                <a:effectLst>
-                  <a:outerShdw dist="38100" dir="2700000" algn="tl" rotWithShape="0">
-                    <a:schemeClr val="accent2"/>
-                  </a:outerShdw>
-                </a:effectLst>
-              </a:rPr>
-              <a:t>Compiler Backend</a:t>
-            </a:r>
-          </a:p>
-        </p:txBody>
-      </p:sp>
-      <p:cxnSp>
-        <p:nvCxnSpPr>
-          <p:cNvPr id="22" name="Straight Connector 21">
-            <a:extLst>
-              <a:ext uri="{FF2B5EF4-FFF2-40B4-BE49-F238E27FC236}">
-                <a16:creationId xmlns:a16="http://schemas.microsoft.com/office/drawing/2014/main" id="{C6EE3407-D8DD-9647-B3C5-4FF3A48CA019}"/>
-              </a:ext>
-            </a:extLst>
-          </p:cNvPr>
-          <p:cNvCxnSpPr>
-            <a:cxnSpLocks/>
-          </p:cNvCxnSpPr>
-          <p:nvPr/>
-        </p:nvCxnSpPr>
-        <p:spPr>
-          <a:xfrm>
-            <a:off x="891540" y="1455420"/>
-            <a:ext cx="3291840" cy="1146465"/>
-          </a:xfrm>
-          <a:prstGeom prst="line">
-            <a:avLst/>
-          </a:prstGeom>
-          <a:ln w="22225">
-            <a:solidFill>
-              <a:schemeClr val="accent2"/>
-            </a:solidFill>
-          </a:ln>
-        </p:spPr>
-        <p:style>
-          <a:lnRef idx="1">
-            <a:schemeClr val="accent1"/>
-          </a:lnRef>
-          <a:fillRef idx="0">
-            <a:schemeClr val="accent1"/>
-          </a:fillRef>
-          <a:effectRef idx="0">
-            <a:schemeClr val="accent1"/>
-          </a:effectRef>
-          <a:fontRef idx="minor">
-            <a:schemeClr val="tx1"/>
-          </a:fontRef>
-        </p:style>
-      </p:cxnSp>
-      <p:cxnSp>
-        <p:nvCxnSpPr>
-          <p:cNvPr id="23" name="Straight Connector 22">
-            <a:extLst>
-              <a:ext uri="{FF2B5EF4-FFF2-40B4-BE49-F238E27FC236}">
-                <a16:creationId xmlns:a16="http://schemas.microsoft.com/office/drawing/2014/main" id="{9321507B-7E50-C047-A3C7-EB5659788E8F}"/>
-              </a:ext>
-            </a:extLst>
-          </p:cNvPr>
-          <p:cNvCxnSpPr>
-            <a:cxnSpLocks/>
-          </p:cNvCxnSpPr>
-          <p:nvPr/>
-        </p:nvCxnSpPr>
-        <p:spPr>
-          <a:xfrm flipV="1">
-            <a:off x="891540" y="4256116"/>
-            <a:ext cx="3291840" cy="879764"/>
-          </a:xfrm>
-          <a:prstGeom prst="line">
-            <a:avLst/>
-          </a:prstGeom>
-          <a:ln w="22225">
-            <a:solidFill>
-              <a:schemeClr val="accent2"/>
-            </a:solidFill>
-          </a:ln>
-        </p:spPr>
-        <p:style>
-          <a:lnRef idx="1">
-            <a:schemeClr val="accent1"/>
-          </a:lnRef>
-          <a:fillRef idx="0">
-            <a:schemeClr val="accent1"/>
-          </a:fillRef>
-          <a:effectRef idx="0">
-            <a:schemeClr val="accent1"/>
-          </a:effectRef>
-          <a:fontRef idx="minor">
-            <a:schemeClr val="tx1"/>
-          </a:fontRef>
-        </p:style>
-      </p:cxnSp>
-      <p:cxnSp>
-        <p:nvCxnSpPr>
-          <p:cNvPr id="26" name="Straight Connector 25">
-            <a:extLst>
-              <a:ext uri="{FF2B5EF4-FFF2-40B4-BE49-F238E27FC236}">
-                <a16:creationId xmlns:a16="http://schemas.microsoft.com/office/drawing/2014/main" id="{DDDEEED3-3E65-BE4B-AD4B-CACA6EBBB768}"/>
-              </a:ext>
-            </a:extLst>
-          </p:cNvPr>
-          <p:cNvCxnSpPr>
-            <a:cxnSpLocks/>
-          </p:cNvCxnSpPr>
-          <p:nvPr/>
-        </p:nvCxnSpPr>
-        <p:spPr>
-          <a:xfrm flipH="1">
-            <a:off x="8008622" y="1554480"/>
-            <a:ext cx="3581398" cy="1047405"/>
-          </a:xfrm>
-          <a:prstGeom prst="line">
-            <a:avLst/>
-          </a:prstGeom>
-          <a:ln w="22225">
-            <a:solidFill>
-              <a:schemeClr val="accent2"/>
-            </a:solidFill>
-          </a:ln>
-        </p:spPr>
-        <p:style>
-          <a:lnRef idx="1">
-            <a:schemeClr val="accent1"/>
-          </a:lnRef>
-          <a:fillRef idx="0">
-            <a:schemeClr val="accent1"/>
-          </a:fillRef>
-          <a:effectRef idx="0">
-            <a:schemeClr val="accent1"/>
-          </a:effectRef>
-          <a:fontRef idx="minor">
-            <a:schemeClr val="tx1"/>
-          </a:fontRef>
-        </p:style>
-      </p:cxnSp>
-      <p:cxnSp>
-        <p:nvCxnSpPr>
-          <p:cNvPr id="27" name="Straight Connector 26">
-            <a:extLst>
-              <a:ext uri="{FF2B5EF4-FFF2-40B4-BE49-F238E27FC236}">
-                <a16:creationId xmlns:a16="http://schemas.microsoft.com/office/drawing/2014/main" id="{4698AC0C-048C-3C45-AFC5-A1771C40EFB3}"/>
-              </a:ext>
-            </a:extLst>
-          </p:cNvPr>
-          <p:cNvCxnSpPr>
-            <a:cxnSpLocks/>
-          </p:cNvCxnSpPr>
-          <p:nvPr/>
-        </p:nvCxnSpPr>
-        <p:spPr>
-          <a:xfrm flipH="1" flipV="1">
-            <a:off x="8008622" y="4256116"/>
-            <a:ext cx="3528058" cy="752302"/>
-          </a:xfrm>
-          <a:prstGeom prst="line">
-            <a:avLst/>
-          </a:prstGeom>
-          <a:ln w="22225">
-            <a:solidFill>
-              <a:schemeClr val="accent2"/>
-            </a:solidFill>
-          </a:ln>
-        </p:spPr>
-        <p:style>
-          <a:lnRef idx="1">
-            <a:schemeClr val="accent1"/>
-          </a:lnRef>
-          <a:fillRef idx="0">
-            <a:schemeClr val="accent1"/>
-          </a:fillRef>
-          <a:effectRef idx="0">
-            <a:schemeClr val="accent1"/>
-          </a:effectRef>
-          <a:fontRef idx="minor">
-            <a:schemeClr val="tx1"/>
-          </a:fontRef>
-        </p:style>
-      </p:cxnSp>
     </p:spTree>
     <p:extLst>
       <p:ext uri="{BB962C8B-B14F-4D97-AF65-F5344CB8AC3E}">
-        <p14:creationId xmlns:p14="http://schemas.microsoft.com/office/powerpoint/2010/main" val="2794359323"/>
+        <p14:creationId xmlns:p14="http://schemas.microsoft.com/office/powerpoint/2010/main" val="1375682436"/>
       </p:ext>
     </p:extLst>
   </p:cSld>
@@ -6071,7 +6464,7 @@
             <a:avLst/>
           </a:prstGeom>
           <a:solidFill>
-            <a:schemeClr val="accent2"/>
+            <a:srgbClr val="BA3B50"/>
           </a:solidFill>
           <a:ln>
             <a:solidFill>
@@ -6100,7 +6493,10 @@
           <a:lstStyle/>
           <a:p>
             <a:pPr algn="ctr"/>
-            <a:endParaRPr lang="en-US" dirty="0"/>
+            <a:r>
+              <a:rPr lang="en-US" dirty="0"/>
+              <a:t>table</a:t>
+            </a:r>
           </a:p>
         </p:txBody>
       </p:sp>
@@ -6125,7 +6521,7 @@
             <a:avLst/>
           </a:prstGeom>
           <a:solidFill>
-            <a:schemeClr val="accent2"/>
+            <a:srgbClr val="BA3B50"/>
           </a:solidFill>
           <a:ln>
             <a:solidFill>
@@ -6154,7 +6550,10 @@
           <a:lstStyle/>
           <a:p>
             <a:pPr algn="ctr"/>
-            <a:endParaRPr lang="en-US" dirty="0"/>
+            <a:r>
+              <a:rPr lang="en-US" dirty="0"/>
+              <a:t>pie</a:t>
+            </a:r>
           </a:p>
         </p:txBody>
       </p:sp>
@@ -6179,7 +6578,7 @@
             <a:avLst/>
           </a:prstGeom>
           <a:solidFill>
-            <a:schemeClr val="accent2"/>
+            <a:srgbClr val="BA3B50"/>
           </a:solidFill>
           <a:ln>
             <a:solidFill>
@@ -6208,6 +6607,10 @@
           <a:lstStyle/>
           <a:p>
             <a:pPr algn="ctr"/>
+            <a:r>
+              <a:rPr lang="en-US" dirty="0" err="1"/>
+              <a:t>groupby</a:t>
+            </a:r>
             <a:endParaRPr lang="en-US" dirty="0"/>
           </a:p>
         </p:txBody>
@@ -6233,7 +6636,7 @@
             <a:avLst/>
           </a:prstGeom>
           <a:solidFill>
-            <a:schemeClr val="accent2"/>
+            <a:srgbClr val="BA3B50"/>
           </a:solidFill>
           <a:ln>
             <a:solidFill>
@@ -6262,7 +6665,10 @@
           <a:lstStyle/>
           <a:p>
             <a:pPr algn="ctr"/>
-            <a:endParaRPr lang="en-US" dirty="0"/>
+            <a:r>
+              <a:rPr lang="en-US" dirty="0"/>
+              <a:t>table</a:t>
+            </a:r>
           </a:p>
         </p:txBody>
       </p:sp>
@@ -6287,7 +6693,7 @@
             <a:avLst/>
           </a:prstGeom>
           <a:solidFill>
-            <a:schemeClr val="accent2"/>
+            <a:srgbClr val="BA3B50"/>
           </a:solidFill>
           <a:ln>
             <a:solidFill>
@@ -6316,7 +6722,10 @@
           <a:lstStyle/>
           <a:p>
             <a:pPr algn="ctr"/>
-            <a:endParaRPr lang="en-US" dirty="0"/>
+            <a:r>
+              <a:rPr lang="en-US" dirty="0"/>
+              <a:t>argmax</a:t>
+            </a:r>
           </a:p>
         </p:txBody>
       </p:sp>
@@ -6341,7 +6750,7 @@
             <a:avLst/>
           </a:prstGeom>
           <a:solidFill>
-            <a:schemeClr val="accent2"/>
+            <a:srgbClr val="BA3B50"/>
           </a:solidFill>
           <a:ln>
             <a:solidFill>
@@ -6370,7 +6779,10 @@
           <a:lstStyle/>
           <a:p>
             <a:pPr algn="ctr"/>
-            <a:endParaRPr lang="en-US" dirty="0"/>
+            <a:r>
+              <a:rPr lang="en-US" dirty="0"/>
+              <a:t>table</a:t>
+            </a:r>
           </a:p>
         </p:txBody>
       </p:sp>
@@ -6395,10 +6807,7 @@
             <a:avLst/>
           </a:prstGeom>
           <a:solidFill>
-            <a:schemeClr val="accent2">
-              <a:lumMod val="60000"/>
-              <a:lumOff val="40000"/>
-            </a:schemeClr>
+            <a:srgbClr val="FF8D9B"/>
           </a:solidFill>
           <a:ln>
             <a:solidFill>
@@ -6454,10 +6863,7 @@
             <a:avLst/>
           </a:prstGeom>
           <a:solidFill>
-            <a:schemeClr val="accent2">
-              <a:lumMod val="60000"/>
-              <a:lumOff val="40000"/>
-            </a:schemeClr>
+            <a:srgbClr val="FF8D9B"/>
           </a:solidFill>
           <a:ln>
             <a:solidFill>
@@ -6513,10 +6919,7 @@
             <a:avLst/>
           </a:prstGeom>
           <a:solidFill>
-            <a:schemeClr val="accent2">
-              <a:lumMod val="60000"/>
-              <a:lumOff val="40000"/>
-            </a:schemeClr>
+            <a:srgbClr val="FF8D9B"/>
           </a:solidFill>
           <a:ln>
             <a:solidFill>
@@ -6572,10 +6975,7 @@
             <a:avLst/>
           </a:prstGeom>
           <a:solidFill>
-            <a:schemeClr val="accent2">
-              <a:lumMod val="60000"/>
-              <a:lumOff val="40000"/>
-            </a:schemeClr>
+            <a:srgbClr val="FF8D9B"/>
           </a:solidFill>
           <a:ln>
             <a:solidFill>
@@ -6631,10 +7031,7 @@
             <a:avLst/>
           </a:prstGeom>
           <a:solidFill>
-            <a:schemeClr val="accent2">
-              <a:lumMod val="60000"/>
-              <a:lumOff val="40000"/>
-            </a:schemeClr>
+            <a:srgbClr val="FF8D9B"/>
           </a:solidFill>
           <a:ln>
             <a:solidFill>
@@ -6690,7 +7087,7 @@
             <a:avLst/>
           </a:prstGeom>
           <a:solidFill>
-            <a:schemeClr val="accent2"/>
+            <a:srgbClr val="BA3B50"/>
           </a:solidFill>
           <a:ln>
             <a:solidFill>
@@ -6749,7 +7146,7 @@
             <a:avLst/>
           </a:prstGeom>
           <a:solidFill>
-            <a:schemeClr val="accent2"/>
+            <a:srgbClr val="FF8D9B"/>
           </a:solidFill>
           <a:ln>
             <a:solidFill>
@@ -6784,10 +7181,201 @@
           </a:p>
         </p:txBody>
       </p:sp>
+      <p:sp>
+        <p:nvSpPr>
+          <p:cNvPr id="2" name="TextBox 1">
+            <a:extLst>
+              <a:ext uri="{FF2B5EF4-FFF2-40B4-BE49-F238E27FC236}">
+                <a16:creationId xmlns:a16="http://schemas.microsoft.com/office/drawing/2014/main" id="{3DBC465F-DF6C-5A45-AAA6-0E45795BD964}"/>
+              </a:ext>
+            </a:extLst>
+          </p:cNvPr>
+          <p:cNvSpPr txBox="1"/>
+          <p:nvPr/>
+        </p:nvSpPr>
+        <p:spPr>
+          <a:xfrm>
+            <a:off x="663865" y="6044876"/>
+            <a:ext cx="1311193" cy="369332"/>
+          </a:xfrm>
+          <a:prstGeom prst="rect">
+            <a:avLst/>
+          </a:prstGeom>
+          <a:noFill/>
+        </p:spPr>
+        <p:txBody>
+          <a:bodyPr wrap="square" rtlCol="0">
+            <a:spAutoFit/>
+          </a:bodyPr>
+          <a:lstStyle/>
+          <a:p>
+            <a:r>
+              <a:rPr lang="en-US" dirty="0">
+                <a:solidFill>
+                  <a:schemeClr val="bg1"/>
+                </a:solidFill>
+              </a:rPr>
+              <a:t>Data Tables</a:t>
+            </a:r>
+          </a:p>
+        </p:txBody>
+      </p:sp>
+      <p:sp>
+        <p:nvSpPr>
+          <p:cNvPr id="17" name="TextBox 16">
+            <a:extLst>
+              <a:ext uri="{FF2B5EF4-FFF2-40B4-BE49-F238E27FC236}">
+                <a16:creationId xmlns:a16="http://schemas.microsoft.com/office/drawing/2014/main" id="{BC11E5DE-DADB-9D4F-9601-B0BB4FF55EDF}"/>
+              </a:ext>
+            </a:extLst>
+          </p:cNvPr>
+          <p:cNvSpPr txBox="1"/>
+          <p:nvPr/>
+        </p:nvSpPr>
+        <p:spPr>
+          <a:xfrm>
+            <a:off x="3016595" y="6044876"/>
+            <a:ext cx="1311193" cy="369332"/>
+          </a:xfrm>
+          <a:prstGeom prst="rect">
+            <a:avLst/>
+          </a:prstGeom>
+          <a:noFill/>
+        </p:spPr>
+        <p:txBody>
+          <a:bodyPr wrap="square" rtlCol="0">
+            <a:spAutoFit/>
+          </a:bodyPr>
+          <a:lstStyle/>
+          <a:p>
+            <a:r>
+              <a:rPr lang="en-US" dirty="0">
+                <a:solidFill>
+                  <a:schemeClr val="bg1"/>
+                </a:solidFill>
+              </a:rPr>
+              <a:t>Statistics</a:t>
+            </a:r>
+          </a:p>
+        </p:txBody>
+      </p:sp>
+      <p:sp>
+        <p:nvSpPr>
+          <p:cNvPr id="20" name="TextBox 19">
+            <a:extLst>
+              <a:ext uri="{FF2B5EF4-FFF2-40B4-BE49-F238E27FC236}">
+                <a16:creationId xmlns:a16="http://schemas.microsoft.com/office/drawing/2014/main" id="{5DF72584-7662-2C48-865E-F9E0281E708A}"/>
+              </a:ext>
+            </a:extLst>
+          </p:cNvPr>
+          <p:cNvSpPr txBox="1"/>
+          <p:nvPr/>
+        </p:nvSpPr>
+        <p:spPr>
+          <a:xfrm>
+            <a:off x="4965117" y="6044876"/>
+            <a:ext cx="1311193" cy="369332"/>
+          </a:xfrm>
+          <a:prstGeom prst="rect">
+            <a:avLst/>
+          </a:prstGeom>
+          <a:noFill/>
+        </p:spPr>
+        <p:txBody>
+          <a:bodyPr wrap="square" rtlCol="0">
+            <a:spAutoFit/>
+          </a:bodyPr>
+          <a:lstStyle/>
+          <a:p>
+            <a:r>
+              <a:rPr lang="en-US" dirty="0">
+                <a:solidFill>
+                  <a:schemeClr val="bg1"/>
+                </a:solidFill>
+              </a:rPr>
+              <a:t>Layout</a:t>
+            </a:r>
+          </a:p>
+        </p:txBody>
+      </p:sp>
+      <p:sp>
+        <p:nvSpPr>
+          <p:cNvPr id="24" name="Rectangle 23">
+            <a:extLst>
+              <a:ext uri="{FF2B5EF4-FFF2-40B4-BE49-F238E27FC236}">
+                <a16:creationId xmlns:a16="http://schemas.microsoft.com/office/drawing/2014/main" id="{7488DA02-5A03-AE46-8B2F-4F9F3C5EF022}"/>
+              </a:ext>
+            </a:extLst>
+          </p:cNvPr>
+          <p:cNvSpPr/>
+          <p:nvPr/>
+        </p:nvSpPr>
+        <p:spPr>
+          <a:xfrm>
+            <a:off x="-62618" y="-108066"/>
+            <a:ext cx="12435840" cy="7074131"/>
+          </a:xfrm>
+          <a:prstGeom prst="rect">
+            <a:avLst/>
+          </a:prstGeom>
+          <a:solidFill>
+            <a:schemeClr val="bg1">
+              <a:alpha val="0"/>
+            </a:schemeClr>
+          </a:solidFill>
+          <a:ln>
+            <a:noFill/>
+          </a:ln>
+        </p:spPr>
+        <p:style>
+          <a:lnRef idx="2">
+            <a:schemeClr val="accent1">
+              <a:shade val="50000"/>
+            </a:schemeClr>
+          </a:lnRef>
+          <a:fillRef idx="1">
+            <a:schemeClr val="accent1"/>
+          </a:fillRef>
+          <a:effectRef idx="0">
+            <a:schemeClr val="accent1"/>
+          </a:effectRef>
+          <a:fontRef idx="minor">
+            <a:schemeClr val="lt1"/>
+          </a:fontRef>
+        </p:style>
+        <p:txBody>
+          <a:bodyPr rot="0" spcFirstLastPara="0" vertOverflow="overflow" horzOverflow="overflow" vert="horz" wrap="square" lIns="91440" tIns="45720" rIns="91440" bIns="45720" numCol="1" spcCol="0" rtlCol="0" fromWordArt="0" anchor="ctr" anchorCtr="0" forceAA="0" compatLnSpc="1">
+            <a:prstTxWarp prst="textNoShape">
+              <a:avLst/>
+            </a:prstTxWarp>
+            <a:noAutofit/>
+          </a:bodyPr>
+          <a:lstStyle/>
+          <a:p>
+            <a:pPr algn="ctr"/>
+            <a:endParaRPr lang="en-US" b="1" dirty="0">
+              <a:ln w="6600">
+                <a:solidFill>
+                  <a:schemeClr val="accent2"/>
+                </a:solidFill>
+                <a:prstDash val="solid"/>
+              </a:ln>
+              <a:solidFill>
+                <a:srgbClr val="FFFFFF"/>
+              </a:solidFill>
+              <a:effectLst>
+                <a:outerShdw dist="38100" dir="2700000" algn="tl" rotWithShape="0">
+                  <a:schemeClr val="accent2"/>
+                </a:outerShdw>
+              </a:effectLst>
+            </a:endParaRPr>
+          </a:p>
+        </p:txBody>
+      </p:sp>
     </p:spTree>
     <p:extLst>
       <p:ext uri="{BB962C8B-B14F-4D97-AF65-F5344CB8AC3E}">
-        <p14:creationId xmlns:p14="http://schemas.microsoft.com/office/powerpoint/2010/main" val="1375682436"/>
+        <p14:creationId xmlns:p14="http://schemas.microsoft.com/office/powerpoint/2010/main" val="3939841803"/>
       </p:ext>
     </p:extLst>
   </p:cSld>

--- a/assets/lib-backend.pptx
+++ b/assets/lib-backend.pptx
@@ -7215,7 +7215,7 @@
                   <a:schemeClr val="bg1"/>
                 </a:solidFill>
               </a:rPr>
-              <a:t>Data Tables</a:t>
+              <a:t>Tables</a:t>
             </a:r>
           </a:p>
         </p:txBody>
@@ -7300,10 +7300,10 @@
       </p:sp>
       <p:sp>
         <p:nvSpPr>
-          <p:cNvPr id="24" name="Rectangle 23">
-            <a:extLst>
-              <a:ext uri="{FF2B5EF4-FFF2-40B4-BE49-F238E27FC236}">
-                <a16:creationId xmlns:a16="http://schemas.microsoft.com/office/drawing/2014/main" id="{7488DA02-5A03-AE46-8B2F-4F9F3C5EF022}"/>
+          <p:cNvPr id="25" name="Rectangle 24">
+            <a:extLst>
+              <a:ext uri="{FF2B5EF4-FFF2-40B4-BE49-F238E27FC236}">
+                <a16:creationId xmlns:a16="http://schemas.microsoft.com/office/drawing/2014/main" id="{6ABC981A-41A3-B548-A42B-62815237CE2B}"/>
               </a:ext>
             </a:extLst>
           </p:cNvPr>
